--- a/paper/figures/static_framework.pptx
+++ b/paper/figures/static_framework.pptx
@@ -2,12 +2,12 @@
 <file path=ppt/presentation.xml><?xml version="1.0" encoding="utf-8"?>
 <p:presentation xmlns:a="http://schemas.openxmlformats.org/drawingml/2006/main" xmlns:r="http://schemas.openxmlformats.org/officeDocument/2006/relationships" xmlns:p="http://schemas.openxmlformats.org/presentationml/2006/main" saveSubsetFonts="1">
   <p:sldMasterIdLst>
-    <p:sldMasterId id="2147483684" r:id="rId1"/>
+    <p:sldMasterId id="2147483696" r:id="rId1"/>
   </p:sldMasterIdLst>
   <p:sldIdLst>
     <p:sldId id="6272" r:id="rId2"/>
   </p:sldIdLst>
-  <p:sldSz cx="12192000" cy="3259138"/>
+  <p:sldSz cx="12192000" cy="1458913"/>
   <p:notesSz cx="6858000" cy="9144000"/>
   <p:defaultTextStyle>
     <a:defPPr>
@@ -104,6 +104,11 @@
       </a:defRPr>
     </a:lvl9pPr>
   </p:defaultTextStyle>
+  <p:extLst>
+    <p:ext uri="{EFAFB233-063F-42B5-8137-9DF3F51BA10A}">
+      <p15:sldGuideLst xmlns:p15="http://schemas.microsoft.com/office/powerpoint/2012/main"/>
+    </p:ext>
+  </p:extLst>
 </p:presentation>
 </file>
 
@@ -136,15 +141,15 @@
         </p:nvSpPr>
         <p:spPr>
           <a:xfrm>
-            <a:off x="1524000" y="533382"/>
-            <a:ext cx="9144000" cy="1134663"/>
+            <a:off x="1524000" y="238762"/>
+            <a:ext cx="9144000" cy="507918"/>
           </a:xfrm>
         </p:spPr>
         <p:txBody>
           <a:bodyPr anchor="b"/>
           <a:lstStyle>
             <a:lvl1pPr algn="ctr">
-              <a:defRPr sz="2851"/>
+              <a:defRPr sz="1276"/>
             </a:lvl1pPr>
           </a:lstStyle>
           <a:p>
@@ -168,8 +173,8 @@
         </p:nvSpPr>
         <p:spPr>
           <a:xfrm>
-            <a:off x="1524000" y="1711802"/>
-            <a:ext cx="9144000" cy="786870"/>
+            <a:off x="1524000" y="766267"/>
+            <a:ext cx="9144000" cy="352233"/>
           </a:xfrm>
         </p:spPr>
         <p:txBody>
@@ -177,39 +182,39 @@
           <a:lstStyle>
             <a:lvl1pPr marL="0" indent="0" algn="ctr">
               <a:buNone/>
-              <a:defRPr sz="1140"/>
+              <a:defRPr sz="510"/>
             </a:lvl1pPr>
-            <a:lvl2pPr marL="217261" indent="0" algn="ctr">
-              <a:buNone/>
-              <a:defRPr sz="950"/>
+            <a:lvl2pPr marL="97246" indent="0" algn="ctr">
+              <a:buNone/>
+              <a:defRPr sz="425"/>
             </a:lvl2pPr>
-            <a:lvl3pPr marL="434523" indent="0" algn="ctr">
-              <a:buNone/>
-              <a:defRPr sz="855"/>
+            <a:lvl3pPr marL="194493" indent="0" algn="ctr">
+              <a:buNone/>
+              <a:defRPr sz="383"/>
             </a:lvl3pPr>
-            <a:lvl4pPr marL="651784" indent="0" algn="ctr">
-              <a:buNone/>
-              <a:defRPr sz="760"/>
+            <a:lvl4pPr marL="291739" indent="0" algn="ctr">
+              <a:buNone/>
+              <a:defRPr sz="340"/>
             </a:lvl4pPr>
-            <a:lvl5pPr marL="869046" indent="0" algn="ctr">
-              <a:buNone/>
-              <a:defRPr sz="760"/>
+            <a:lvl5pPr marL="388986" indent="0" algn="ctr">
+              <a:buNone/>
+              <a:defRPr sz="340"/>
             </a:lvl5pPr>
-            <a:lvl6pPr marL="1086307" indent="0" algn="ctr">
-              <a:buNone/>
-              <a:defRPr sz="760"/>
+            <a:lvl6pPr marL="486232" indent="0" algn="ctr">
+              <a:buNone/>
+              <a:defRPr sz="340"/>
             </a:lvl6pPr>
-            <a:lvl7pPr marL="1303569" indent="0" algn="ctr">
-              <a:buNone/>
-              <a:defRPr sz="760"/>
+            <a:lvl7pPr marL="583479" indent="0" algn="ctr">
+              <a:buNone/>
+              <a:defRPr sz="340"/>
             </a:lvl7pPr>
-            <a:lvl8pPr marL="1520830" indent="0" algn="ctr">
-              <a:buNone/>
-              <a:defRPr sz="760"/>
+            <a:lvl8pPr marL="680725" indent="0" algn="ctr">
+              <a:buNone/>
+              <a:defRPr sz="340"/>
             </a:lvl8pPr>
-            <a:lvl9pPr marL="1738092" indent="0" algn="ctr">
-              <a:buNone/>
-              <a:defRPr sz="760"/>
+            <a:lvl9pPr marL="777972" indent="0" algn="ctr">
+              <a:buNone/>
+              <a:defRPr sz="340"/>
             </a:lvl9pPr>
           </a:lstStyle>
           <a:p>
@@ -238,7 +243,7 @@
           <a:p>
             <a:fld id="{1E7E2308-2F23-48D2-A5F1-3B0F75651A25}" type="datetimeFigureOut">
               <a:rPr lang="zh-CN" altLang="en-US" smtClean="0"/>
-              <a:t>2020/12/1</a:t>
+              <a:t>2020/12/12</a:t>
             </a:fld>
             <a:endParaRPr lang="zh-CN" altLang="en-US"/>
           </a:p>
@@ -289,7 +294,7 @@
     </p:spTree>
     <p:extLst>
       <p:ext uri="{BB962C8B-B14F-4D97-AF65-F5344CB8AC3E}">
-        <p14:creationId xmlns:p14="http://schemas.microsoft.com/office/powerpoint/2010/main" val="4186242280"/>
+        <p14:creationId xmlns:p14="http://schemas.microsoft.com/office/powerpoint/2010/main" val="4031411635"/>
       </p:ext>
     </p:extLst>
   </p:cSld>
@@ -408,7 +413,7 @@
           <a:p>
             <a:fld id="{1E7E2308-2F23-48D2-A5F1-3B0F75651A25}" type="datetimeFigureOut">
               <a:rPr lang="zh-CN" altLang="en-US" smtClean="0"/>
-              <a:t>2020/12/1</a:t>
+              <a:t>2020/12/12</a:t>
             </a:fld>
             <a:endParaRPr lang="zh-CN" altLang="en-US"/>
           </a:p>
@@ -459,7 +464,7 @@
     </p:spTree>
     <p:extLst>
       <p:ext uri="{BB962C8B-B14F-4D97-AF65-F5344CB8AC3E}">
-        <p14:creationId xmlns:p14="http://schemas.microsoft.com/office/powerpoint/2010/main" val="2011138121"/>
+        <p14:creationId xmlns:p14="http://schemas.microsoft.com/office/powerpoint/2010/main" val="297728052"/>
       </p:ext>
     </p:extLst>
   </p:cSld>
@@ -498,8 +503,8 @@
         </p:nvSpPr>
         <p:spPr>
           <a:xfrm>
-            <a:off x="8724900" y="173519"/>
-            <a:ext cx="2628900" cy="2761969"/>
+            <a:off x="8724900" y="77674"/>
+            <a:ext cx="2628900" cy="1236361"/>
           </a:xfrm>
         </p:spPr>
         <p:txBody>
@@ -526,8 +531,8 @@
         </p:nvSpPr>
         <p:spPr>
           <a:xfrm>
-            <a:off x="838200" y="173519"/>
-            <a:ext cx="7734300" cy="2761969"/>
+            <a:off x="838200" y="77674"/>
+            <a:ext cx="7734300" cy="1236361"/>
           </a:xfrm>
         </p:spPr>
         <p:txBody>
@@ -588,7 +593,7 @@
           <a:p>
             <a:fld id="{1E7E2308-2F23-48D2-A5F1-3B0F75651A25}" type="datetimeFigureOut">
               <a:rPr lang="zh-CN" altLang="en-US" smtClean="0"/>
-              <a:t>2020/12/1</a:t>
+              <a:t>2020/12/12</a:t>
             </a:fld>
             <a:endParaRPr lang="zh-CN" altLang="en-US"/>
           </a:p>
@@ -639,7 +644,7 @@
     </p:spTree>
     <p:extLst>
       <p:ext uri="{BB962C8B-B14F-4D97-AF65-F5344CB8AC3E}">
-        <p14:creationId xmlns:p14="http://schemas.microsoft.com/office/powerpoint/2010/main" val="1247646059"/>
+        <p14:creationId xmlns:p14="http://schemas.microsoft.com/office/powerpoint/2010/main" val="2295794634"/>
       </p:ext>
     </p:extLst>
   </p:cSld>
@@ -758,7 +763,7 @@
           <a:p>
             <a:fld id="{1E7E2308-2F23-48D2-A5F1-3B0F75651A25}" type="datetimeFigureOut">
               <a:rPr lang="zh-CN" altLang="en-US" smtClean="0"/>
-              <a:t>2020/12/1</a:t>
+              <a:t>2020/12/12</a:t>
             </a:fld>
             <a:endParaRPr lang="zh-CN" altLang="en-US"/>
           </a:p>
@@ -809,7 +814,7 @@
     </p:spTree>
     <p:extLst>
       <p:ext uri="{BB962C8B-B14F-4D97-AF65-F5344CB8AC3E}">
-        <p14:creationId xmlns:p14="http://schemas.microsoft.com/office/powerpoint/2010/main" val="1306220783"/>
+        <p14:creationId xmlns:p14="http://schemas.microsoft.com/office/powerpoint/2010/main" val="4014546977"/>
       </p:ext>
     </p:extLst>
   </p:cSld>
@@ -848,15 +853,15 @@
         </p:nvSpPr>
         <p:spPr>
           <a:xfrm>
-            <a:off x="831850" y="812522"/>
-            <a:ext cx="10515600" cy="1355711"/>
+            <a:off x="831850" y="363715"/>
+            <a:ext cx="10515600" cy="606867"/>
           </a:xfrm>
         </p:spPr>
         <p:txBody>
           <a:bodyPr anchor="b"/>
           <a:lstStyle>
             <a:lvl1pPr>
-              <a:defRPr sz="2851"/>
+              <a:defRPr sz="1276"/>
             </a:lvl1pPr>
           </a:lstStyle>
           <a:p>
@@ -880,8 +885,8 @@
         </p:nvSpPr>
         <p:spPr>
           <a:xfrm>
-            <a:off x="831850" y="2181058"/>
-            <a:ext cx="10515600" cy="712936"/>
+            <a:off x="831850" y="976324"/>
+            <a:ext cx="10515600" cy="319137"/>
           </a:xfrm>
         </p:spPr>
         <p:txBody>
@@ -889,7 +894,7 @@
           <a:lstStyle>
             <a:lvl1pPr marL="0" indent="0">
               <a:buNone/>
-              <a:defRPr sz="1140">
+              <a:defRPr sz="510">
                 <a:solidFill>
                   <a:schemeClr val="tx1">
                     <a:tint val="75000"/>
@@ -897,9 +902,9 @@
                 </a:solidFill>
               </a:defRPr>
             </a:lvl1pPr>
-            <a:lvl2pPr marL="217261" indent="0">
-              <a:buNone/>
-              <a:defRPr sz="950">
+            <a:lvl2pPr marL="97246" indent="0">
+              <a:buNone/>
+              <a:defRPr sz="425">
                 <a:solidFill>
                   <a:schemeClr val="tx1">
                     <a:tint val="75000"/>
@@ -907,9 +912,9 @@
                 </a:solidFill>
               </a:defRPr>
             </a:lvl2pPr>
-            <a:lvl3pPr marL="434523" indent="0">
-              <a:buNone/>
-              <a:defRPr sz="855">
+            <a:lvl3pPr marL="194493" indent="0">
+              <a:buNone/>
+              <a:defRPr sz="383">
                 <a:solidFill>
                   <a:schemeClr val="tx1">
                     <a:tint val="75000"/>
@@ -917,9 +922,9 @@
                 </a:solidFill>
               </a:defRPr>
             </a:lvl3pPr>
-            <a:lvl4pPr marL="651784" indent="0">
-              <a:buNone/>
-              <a:defRPr sz="760">
+            <a:lvl4pPr marL="291739" indent="0">
+              <a:buNone/>
+              <a:defRPr sz="340">
                 <a:solidFill>
                   <a:schemeClr val="tx1">
                     <a:tint val="75000"/>
@@ -927,9 +932,9 @@
                 </a:solidFill>
               </a:defRPr>
             </a:lvl4pPr>
-            <a:lvl5pPr marL="869046" indent="0">
-              <a:buNone/>
-              <a:defRPr sz="760">
+            <a:lvl5pPr marL="388986" indent="0">
+              <a:buNone/>
+              <a:defRPr sz="340">
                 <a:solidFill>
                   <a:schemeClr val="tx1">
                     <a:tint val="75000"/>
@@ -937,9 +942,9 @@
                 </a:solidFill>
               </a:defRPr>
             </a:lvl5pPr>
-            <a:lvl6pPr marL="1086307" indent="0">
-              <a:buNone/>
-              <a:defRPr sz="760">
+            <a:lvl6pPr marL="486232" indent="0">
+              <a:buNone/>
+              <a:defRPr sz="340">
                 <a:solidFill>
                   <a:schemeClr val="tx1">
                     <a:tint val="75000"/>
@@ -947,9 +952,9 @@
                 </a:solidFill>
               </a:defRPr>
             </a:lvl6pPr>
-            <a:lvl7pPr marL="1303569" indent="0">
-              <a:buNone/>
-              <a:defRPr sz="760">
+            <a:lvl7pPr marL="583479" indent="0">
+              <a:buNone/>
+              <a:defRPr sz="340">
                 <a:solidFill>
                   <a:schemeClr val="tx1">
                     <a:tint val="75000"/>
@@ -957,9 +962,9 @@
                 </a:solidFill>
               </a:defRPr>
             </a:lvl7pPr>
-            <a:lvl8pPr marL="1520830" indent="0">
-              <a:buNone/>
-              <a:defRPr sz="760">
+            <a:lvl8pPr marL="680725" indent="0">
+              <a:buNone/>
+              <a:defRPr sz="340">
                 <a:solidFill>
                   <a:schemeClr val="tx1">
                     <a:tint val="75000"/>
@@ -967,9 +972,9 @@
                 </a:solidFill>
               </a:defRPr>
             </a:lvl8pPr>
-            <a:lvl9pPr marL="1738092" indent="0">
-              <a:buNone/>
-              <a:defRPr sz="760">
+            <a:lvl9pPr marL="777972" indent="0">
+              <a:buNone/>
+              <a:defRPr sz="340">
                 <a:solidFill>
                   <a:schemeClr val="tx1">
                     <a:tint val="75000"/>
@@ -1004,7 +1009,7 @@
           <a:p>
             <a:fld id="{1E7E2308-2F23-48D2-A5F1-3B0F75651A25}" type="datetimeFigureOut">
               <a:rPr lang="zh-CN" altLang="en-US" smtClean="0"/>
-              <a:t>2020/12/1</a:t>
+              <a:t>2020/12/12</a:t>
             </a:fld>
             <a:endParaRPr lang="zh-CN" altLang="en-US"/>
           </a:p>
@@ -1055,7 +1060,7 @@
     </p:spTree>
     <p:extLst>
       <p:ext uri="{BB962C8B-B14F-4D97-AF65-F5344CB8AC3E}">
-        <p14:creationId xmlns:p14="http://schemas.microsoft.com/office/powerpoint/2010/main" val="1195864521"/>
+        <p14:creationId xmlns:p14="http://schemas.microsoft.com/office/powerpoint/2010/main" val="3880557401"/>
       </p:ext>
     </p:extLst>
   </p:cSld>
@@ -1117,8 +1122,8 @@
         </p:nvSpPr>
         <p:spPr>
           <a:xfrm>
-            <a:off x="838200" y="867595"/>
-            <a:ext cx="5181600" cy="2067893"/>
+            <a:off x="838200" y="388368"/>
+            <a:ext cx="5181600" cy="925667"/>
           </a:xfrm>
         </p:spPr>
         <p:txBody>
@@ -1174,8 +1179,8 @@
         </p:nvSpPr>
         <p:spPr>
           <a:xfrm>
-            <a:off x="6172200" y="867595"/>
-            <a:ext cx="5181600" cy="2067893"/>
+            <a:off x="6172200" y="388368"/>
+            <a:ext cx="5181600" cy="925667"/>
           </a:xfrm>
         </p:spPr>
         <p:txBody>
@@ -1236,7 +1241,7 @@
           <a:p>
             <a:fld id="{1E7E2308-2F23-48D2-A5F1-3B0F75651A25}" type="datetimeFigureOut">
               <a:rPr lang="zh-CN" altLang="en-US" smtClean="0"/>
-              <a:t>2020/12/1</a:t>
+              <a:t>2020/12/12</a:t>
             </a:fld>
             <a:endParaRPr lang="zh-CN" altLang="en-US"/>
           </a:p>
@@ -1287,7 +1292,7 @@
     </p:spTree>
     <p:extLst>
       <p:ext uri="{BB962C8B-B14F-4D97-AF65-F5344CB8AC3E}">
-        <p14:creationId xmlns:p14="http://schemas.microsoft.com/office/powerpoint/2010/main" val="1267207571"/>
+        <p14:creationId xmlns:p14="http://schemas.microsoft.com/office/powerpoint/2010/main" val="3177886683"/>
       </p:ext>
     </p:extLst>
   </p:cSld>
@@ -1326,8 +1331,8 @@
         </p:nvSpPr>
         <p:spPr>
           <a:xfrm>
-            <a:off x="839788" y="173519"/>
-            <a:ext cx="10515600" cy="629949"/>
+            <a:off x="839788" y="77674"/>
+            <a:ext cx="10515600" cy="281989"/>
           </a:xfrm>
         </p:spPr>
         <p:txBody>
@@ -1354,8 +1359,8 @@
         </p:nvSpPr>
         <p:spPr>
           <a:xfrm>
-            <a:off x="839789" y="798942"/>
-            <a:ext cx="5157787" cy="391549"/>
+            <a:off x="839789" y="357636"/>
+            <a:ext cx="5157787" cy="175272"/>
           </a:xfrm>
         </p:spPr>
         <p:txBody>
@@ -1363,39 +1368,39 @@
           <a:lstStyle>
             <a:lvl1pPr marL="0" indent="0">
               <a:buNone/>
-              <a:defRPr sz="1140" b="1"/>
+              <a:defRPr sz="510" b="1"/>
             </a:lvl1pPr>
-            <a:lvl2pPr marL="217261" indent="0">
-              <a:buNone/>
-              <a:defRPr sz="950" b="1"/>
+            <a:lvl2pPr marL="97246" indent="0">
+              <a:buNone/>
+              <a:defRPr sz="425" b="1"/>
             </a:lvl2pPr>
-            <a:lvl3pPr marL="434523" indent="0">
-              <a:buNone/>
-              <a:defRPr sz="855" b="1"/>
+            <a:lvl3pPr marL="194493" indent="0">
+              <a:buNone/>
+              <a:defRPr sz="383" b="1"/>
             </a:lvl3pPr>
-            <a:lvl4pPr marL="651784" indent="0">
-              <a:buNone/>
-              <a:defRPr sz="760" b="1"/>
+            <a:lvl4pPr marL="291739" indent="0">
+              <a:buNone/>
+              <a:defRPr sz="340" b="1"/>
             </a:lvl4pPr>
-            <a:lvl5pPr marL="869046" indent="0">
-              <a:buNone/>
-              <a:defRPr sz="760" b="1"/>
+            <a:lvl5pPr marL="388986" indent="0">
+              <a:buNone/>
+              <a:defRPr sz="340" b="1"/>
             </a:lvl5pPr>
-            <a:lvl6pPr marL="1086307" indent="0">
-              <a:buNone/>
-              <a:defRPr sz="760" b="1"/>
+            <a:lvl6pPr marL="486232" indent="0">
+              <a:buNone/>
+              <a:defRPr sz="340" b="1"/>
             </a:lvl6pPr>
-            <a:lvl7pPr marL="1303569" indent="0">
-              <a:buNone/>
-              <a:defRPr sz="760" b="1"/>
+            <a:lvl7pPr marL="583479" indent="0">
+              <a:buNone/>
+              <a:defRPr sz="340" b="1"/>
             </a:lvl7pPr>
-            <a:lvl8pPr marL="1520830" indent="0">
-              <a:buNone/>
-              <a:defRPr sz="760" b="1"/>
+            <a:lvl8pPr marL="680725" indent="0">
+              <a:buNone/>
+              <a:defRPr sz="340" b="1"/>
             </a:lvl8pPr>
-            <a:lvl9pPr marL="1738092" indent="0">
-              <a:buNone/>
-              <a:defRPr sz="760" b="1"/>
+            <a:lvl9pPr marL="777972" indent="0">
+              <a:buNone/>
+              <a:defRPr sz="340" b="1"/>
             </a:lvl9pPr>
           </a:lstStyle>
           <a:p>
@@ -1419,8 +1424,8 @@
         </p:nvSpPr>
         <p:spPr>
           <a:xfrm>
-            <a:off x="839789" y="1190491"/>
-            <a:ext cx="5157787" cy="1751032"/>
+            <a:off x="839789" y="532909"/>
+            <a:ext cx="5157787" cy="783828"/>
           </a:xfrm>
         </p:spPr>
         <p:txBody>
@@ -1476,8 +1481,8 @@
         </p:nvSpPr>
         <p:spPr>
           <a:xfrm>
-            <a:off x="6172200" y="798942"/>
-            <a:ext cx="5183188" cy="391549"/>
+            <a:off x="6172200" y="357636"/>
+            <a:ext cx="5183188" cy="175272"/>
           </a:xfrm>
         </p:spPr>
         <p:txBody>
@@ -1485,39 +1490,39 @@
           <a:lstStyle>
             <a:lvl1pPr marL="0" indent="0">
               <a:buNone/>
-              <a:defRPr sz="1140" b="1"/>
+              <a:defRPr sz="510" b="1"/>
             </a:lvl1pPr>
-            <a:lvl2pPr marL="217261" indent="0">
-              <a:buNone/>
-              <a:defRPr sz="950" b="1"/>
+            <a:lvl2pPr marL="97246" indent="0">
+              <a:buNone/>
+              <a:defRPr sz="425" b="1"/>
             </a:lvl2pPr>
-            <a:lvl3pPr marL="434523" indent="0">
-              <a:buNone/>
-              <a:defRPr sz="855" b="1"/>
+            <a:lvl3pPr marL="194493" indent="0">
+              <a:buNone/>
+              <a:defRPr sz="383" b="1"/>
             </a:lvl3pPr>
-            <a:lvl4pPr marL="651784" indent="0">
-              <a:buNone/>
-              <a:defRPr sz="760" b="1"/>
+            <a:lvl4pPr marL="291739" indent="0">
+              <a:buNone/>
+              <a:defRPr sz="340" b="1"/>
             </a:lvl4pPr>
-            <a:lvl5pPr marL="869046" indent="0">
-              <a:buNone/>
-              <a:defRPr sz="760" b="1"/>
+            <a:lvl5pPr marL="388986" indent="0">
+              <a:buNone/>
+              <a:defRPr sz="340" b="1"/>
             </a:lvl5pPr>
-            <a:lvl6pPr marL="1086307" indent="0">
-              <a:buNone/>
-              <a:defRPr sz="760" b="1"/>
+            <a:lvl6pPr marL="486232" indent="0">
+              <a:buNone/>
+              <a:defRPr sz="340" b="1"/>
             </a:lvl6pPr>
-            <a:lvl7pPr marL="1303569" indent="0">
-              <a:buNone/>
-              <a:defRPr sz="760" b="1"/>
+            <a:lvl7pPr marL="583479" indent="0">
+              <a:buNone/>
+              <a:defRPr sz="340" b="1"/>
             </a:lvl7pPr>
-            <a:lvl8pPr marL="1520830" indent="0">
-              <a:buNone/>
-              <a:defRPr sz="760" b="1"/>
+            <a:lvl8pPr marL="680725" indent="0">
+              <a:buNone/>
+              <a:defRPr sz="340" b="1"/>
             </a:lvl8pPr>
-            <a:lvl9pPr marL="1738092" indent="0">
-              <a:buNone/>
-              <a:defRPr sz="760" b="1"/>
+            <a:lvl9pPr marL="777972" indent="0">
+              <a:buNone/>
+              <a:defRPr sz="340" b="1"/>
             </a:lvl9pPr>
           </a:lstStyle>
           <a:p>
@@ -1541,8 +1546,8 @@
         </p:nvSpPr>
         <p:spPr>
           <a:xfrm>
-            <a:off x="6172200" y="1190491"/>
-            <a:ext cx="5183188" cy="1751032"/>
+            <a:off x="6172200" y="532909"/>
+            <a:ext cx="5183188" cy="783828"/>
           </a:xfrm>
         </p:spPr>
         <p:txBody>
@@ -1603,7 +1608,7 @@
           <a:p>
             <a:fld id="{1E7E2308-2F23-48D2-A5F1-3B0F75651A25}" type="datetimeFigureOut">
               <a:rPr lang="zh-CN" altLang="en-US" smtClean="0"/>
-              <a:t>2020/12/1</a:t>
+              <a:t>2020/12/12</a:t>
             </a:fld>
             <a:endParaRPr lang="zh-CN" altLang="en-US"/>
           </a:p>
@@ -1654,7 +1659,7 @@
     </p:spTree>
     <p:extLst>
       <p:ext uri="{BB962C8B-B14F-4D97-AF65-F5344CB8AC3E}">
-        <p14:creationId xmlns:p14="http://schemas.microsoft.com/office/powerpoint/2010/main" val="2819257479"/>
+        <p14:creationId xmlns:p14="http://schemas.microsoft.com/office/powerpoint/2010/main" val="372224714"/>
       </p:ext>
     </p:extLst>
   </p:cSld>
@@ -1721,7 +1726,7 @@
           <a:p>
             <a:fld id="{1E7E2308-2F23-48D2-A5F1-3B0F75651A25}" type="datetimeFigureOut">
               <a:rPr lang="zh-CN" altLang="en-US" smtClean="0"/>
-              <a:t>2020/12/1</a:t>
+              <a:t>2020/12/12</a:t>
             </a:fld>
             <a:endParaRPr lang="zh-CN" altLang="en-US"/>
           </a:p>
@@ -1772,7 +1777,7 @@
     </p:spTree>
     <p:extLst>
       <p:ext uri="{BB962C8B-B14F-4D97-AF65-F5344CB8AC3E}">
-        <p14:creationId xmlns:p14="http://schemas.microsoft.com/office/powerpoint/2010/main" val="1775084516"/>
+        <p14:creationId xmlns:p14="http://schemas.microsoft.com/office/powerpoint/2010/main" val="2141780159"/>
       </p:ext>
     </p:extLst>
   </p:cSld>
@@ -1816,7 +1821,7 @@
           <a:p>
             <a:fld id="{1E7E2308-2F23-48D2-A5F1-3B0F75651A25}" type="datetimeFigureOut">
               <a:rPr lang="zh-CN" altLang="en-US" smtClean="0"/>
-              <a:t>2020/12/1</a:t>
+              <a:t>2020/12/12</a:t>
             </a:fld>
             <a:endParaRPr lang="zh-CN" altLang="en-US"/>
           </a:p>
@@ -1867,7 +1872,7 @@
     </p:spTree>
     <p:extLst>
       <p:ext uri="{BB962C8B-B14F-4D97-AF65-F5344CB8AC3E}">
-        <p14:creationId xmlns:p14="http://schemas.microsoft.com/office/powerpoint/2010/main" val="2308250801"/>
+        <p14:creationId xmlns:p14="http://schemas.microsoft.com/office/powerpoint/2010/main" val="3026523656"/>
       </p:ext>
     </p:extLst>
   </p:cSld>
@@ -1906,15 +1911,15 @@
         </p:nvSpPr>
         <p:spPr>
           <a:xfrm>
-            <a:off x="839789" y="217276"/>
-            <a:ext cx="3932237" cy="760466"/>
+            <a:off x="839789" y="97261"/>
+            <a:ext cx="3932237" cy="340413"/>
           </a:xfrm>
         </p:spPr>
         <p:txBody>
           <a:bodyPr anchor="b"/>
           <a:lstStyle>
             <a:lvl1pPr>
-              <a:defRPr sz="1521"/>
+              <a:defRPr sz="681"/>
             </a:lvl1pPr>
           </a:lstStyle>
           <a:p>
@@ -1938,39 +1943,39 @@
         </p:nvSpPr>
         <p:spPr>
           <a:xfrm>
-            <a:off x="5183188" y="469256"/>
-            <a:ext cx="6172200" cy="2316100"/>
+            <a:off x="5183188" y="210056"/>
+            <a:ext cx="6172200" cy="1036774"/>
           </a:xfrm>
         </p:spPr>
         <p:txBody>
           <a:bodyPr/>
           <a:lstStyle>
             <a:lvl1pPr>
-              <a:defRPr sz="1521"/>
+              <a:defRPr sz="681"/>
             </a:lvl1pPr>
             <a:lvl2pPr>
-              <a:defRPr sz="1331"/>
+              <a:defRPr sz="596"/>
             </a:lvl2pPr>
             <a:lvl3pPr>
-              <a:defRPr sz="1140"/>
+              <a:defRPr sz="510"/>
             </a:lvl3pPr>
             <a:lvl4pPr>
-              <a:defRPr sz="950"/>
+              <a:defRPr sz="425"/>
             </a:lvl4pPr>
             <a:lvl5pPr>
-              <a:defRPr sz="950"/>
+              <a:defRPr sz="425"/>
             </a:lvl5pPr>
             <a:lvl6pPr>
-              <a:defRPr sz="950"/>
+              <a:defRPr sz="425"/>
             </a:lvl6pPr>
             <a:lvl7pPr>
-              <a:defRPr sz="950"/>
+              <a:defRPr sz="425"/>
             </a:lvl7pPr>
             <a:lvl8pPr>
-              <a:defRPr sz="950"/>
+              <a:defRPr sz="425"/>
             </a:lvl8pPr>
             <a:lvl9pPr>
-              <a:defRPr sz="950"/>
+              <a:defRPr sz="425"/>
             </a:lvl9pPr>
           </a:lstStyle>
           <a:p>
@@ -2023,8 +2028,8 @@
         </p:nvSpPr>
         <p:spPr>
           <a:xfrm>
-            <a:off x="839789" y="977741"/>
-            <a:ext cx="3932237" cy="1811387"/>
+            <a:off x="839789" y="437674"/>
+            <a:ext cx="3932237" cy="810845"/>
           </a:xfrm>
         </p:spPr>
         <p:txBody>
@@ -2032,39 +2037,39 @@
           <a:lstStyle>
             <a:lvl1pPr marL="0" indent="0">
               <a:buNone/>
-              <a:defRPr sz="760"/>
+              <a:defRPr sz="340"/>
             </a:lvl1pPr>
-            <a:lvl2pPr marL="217261" indent="0">
-              <a:buNone/>
-              <a:defRPr sz="665"/>
+            <a:lvl2pPr marL="97246" indent="0">
+              <a:buNone/>
+              <a:defRPr sz="298"/>
             </a:lvl2pPr>
-            <a:lvl3pPr marL="434523" indent="0">
-              <a:buNone/>
-              <a:defRPr sz="570"/>
+            <a:lvl3pPr marL="194493" indent="0">
+              <a:buNone/>
+              <a:defRPr sz="255"/>
             </a:lvl3pPr>
-            <a:lvl4pPr marL="651784" indent="0">
-              <a:buNone/>
-              <a:defRPr sz="475"/>
+            <a:lvl4pPr marL="291739" indent="0">
+              <a:buNone/>
+              <a:defRPr sz="213"/>
             </a:lvl4pPr>
-            <a:lvl5pPr marL="869046" indent="0">
-              <a:buNone/>
-              <a:defRPr sz="475"/>
+            <a:lvl5pPr marL="388986" indent="0">
+              <a:buNone/>
+              <a:defRPr sz="213"/>
             </a:lvl5pPr>
-            <a:lvl6pPr marL="1086307" indent="0">
-              <a:buNone/>
-              <a:defRPr sz="475"/>
+            <a:lvl6pPr marL="486232" indent="0">
+              <a:buNone/>
+              <a:defRPr sz="213"/>
             </a:lvl6pPr>
-            <a:lvl7pPr marL="1303569" indent="0">
-              <a:buNone/>
-              <a:defRPr sz="475"/>
+            <a:lvl7pPr marL="583479" indent="0">
+              <a:buNone/>
+              <a:defRPr sz="213"/>
             </a:lvl7pPr>
-            <a:lvl8pPr marL="1520830" indent="0">
-              <a:buNone/>
-              <a:defRPr sz="475"/>
+            <a:lvl8pPr marL="680725" indent="0">
+              <a:buNone/>
+              <a:defRPr sz="213"/>
             </a:lvl8pPr>
-            <a:lvl9pPr marL="1738092" indent="0">
-              <a:buNone/>
-              <a:defRPr sz="475"/>
+            <a:lvl9pPr marL="777972" indent="0">
+              <a:buNone/>
+              <a:defRPr sz="213"/>
             </a:lvl9pPr>
           </a:lstStyle>
           <a:p>
@@ -2093,7 +2098,7 @@
           <a:p>
             <a:fld id="{1E7E2308-2F23-48D2-A5F1-3B0F75651A25}" type="datetimeFigureOut">
               <a:rPr lang="zh-CN" altLang="en-US" smtClean="0"/>
-              <a:t>2020/12/1</a:t>
+              <a:t>2020/12/12</a:t>
             </a:fld>
             <a:endParaRPr lang="zh-CN" altLang="en-US"/>
           </a:p>
@@ -2144,7 +2149,7 @@
     </p:spTree>
     <p:extLst>
       <p:ext uri="{BB962C8B-B14F-4D97-AF65-F5344CB8AC3E}">
-        <p14:creationId xmlns:p14="http://schemas.microsoft.com/office/powerpoint/2010/main" val="1967984951"/>
+        <p14:creationId xmlns:p14="http://schemas.microsoft.com/office/powerpoint/2010/main" val="2342685277"/>
       </p:ext>
     </p:extLst>
   </p:cSld>
@@ -2183,15 +2188,15 @@
         </p:nvSpPr>
         <p:spPr>
           <a:xfrm>
-            <a:off x="839789" y="217276"/>
-            <a:ext cx="3932237" cy="760466"/>
+            <a:off x="839789" y="97261"/>
+            <a:ext cx="3932237" cy="340413"/>
           </a:xfrm>
         </p:spPr>
         <p:txBody>
           <a:bodyPr anchor="b"/>
           <a:lstStyle>
             <a:lvl1pPr>
-              <a:defRPr sz="1521"/>
+              <a:defRPr sz="681"/>
             </a:lvl1pPr>
           </a:lstStyle>
           <a:p>
@@ -2215,8 +2220,8 @@
         </p:nvSpPr>
         <p:spPr>
           <a:xfrm>
-            <a:off x="5183188" y="469256"/>
-            <a:ext cx="6172200" cy="2316100"/>
+            <a:off x="5183188" y="210056"/>
+            <a:ext cx="6172200" cy="1036774"/>
           </a:xfrm>
         </p:spPr>
         <p:txBody>
@@ -2224,39 +2229,39 @@
           <a:lstStyle>
             <a:lvl1pPr marL="0" indent="0">
               <a:buNone/>
-              <a:defRPr sz="1521"/>
+              <a:defRPr sz="681"/>
             </a:lvl1pPr>
-            <a:lvl2pPr marL="217261" indent="0">
-              <a:buNone/>
-              <a:defRPr sz="1331"/>
+            <a:lvl2pPr marL="97246" indent="0">
+              <a:buNone/>
+              <a:defRPr sz="596"/>
             </a:lvl2pPr>
-            <a:lvl3pPr marL="434523" indent="0">
-              <a:buNone/>
-              <a:defRPr sz="1140"/>
+            <a:lvl3pPr marL="194493" indent="0">
+              <a:buNone/>
+              <a:defRPr sz="510"/>
             </a:lvl3pPr>
-            <a:lvl4pPr marL="651784" indent="0">
-              <a:buNone/>
-              <a:defRPr sz="950"/>
+            <a:lvl4pPr marL="291739" indent="0">
+              <a:buNone/>
+              <a:defRPr sz="425"/>
             </a:lvl4pPr>
-            <a:lvl5pPr marL="869046" indent="0">
-              <a:buNone/>
-              <a:defRPr sz="950"/>
+            <a:lvl5pPr marL="388986" indent="0">
+              <a:buNone/>
+              <a:defRPr sz="425"/>
             </a:lvl5pPr>
-            <a:lvl6pPr marL="1086307" indent="0">
-              <a:buNone/>
-              <a:defRPr sz="950"/>
+            <a:lvl6pPr marL="486232" indent="0">
+              <a:buNone/>
+              <a:defRPr sz="425"/>
             </a:lvl6pPr>
-            <a:lvl7pPr marL="1303569" indent="0">
-              <a:buNone/>
-              <a:defRPr sz="950"/>
+            <a:lvl7pPr marL="583479" indent="0">
+              <a:buNone/>
+              <a:defRPr sz="425"/>
             </a:lvl7pPr>
-            <a:lvl8pPr marL="1520830" indent="0">
-              <a:buNone/>
-              <a:defRPr sz="950"/>
+            <a:lvl8pPr marL="680725" indent="0">
+              <a:buNone/>
+              <a:defRPr sz="425"/>
             </a:lvl8pPr>
-            <a:lvl9pPr marL="1738092" indent="0">
-              <a:buNone/>
-              <a:defRPr sz="950"/>
+            <a:lvl9pPr marL="777972" indent="0">
+              <a:buNone/>
+              <a:defRPr sz="425"/>
             </a:lvl9pPr>
           </a:lstStyle>
           <a:p>
@@ -2280,8 +2285,8 @@
         </p:nvSpPr>
         <p:spPr>
           <a:xfrm>
-            <a:off x="839789" y="977741"/>
-            <a:ext cx="3932237" cy="1811387"/>
+            <a:off x="839789" y="437674"/>
+            <a:ext cx="3932237" cy="810845"/>
           </a:xfrm>
         </p:spPr>
         <p:txBody>
@@ -2289,39 +2294,39 @@
           <a:lstStyle>
             <a:lvl1pPr marL="0" indent="0">
               <a:buNone/>
-              <a:defRPr sz="760"/>
+              <a:defRPr sz="340"/>
             </a:lvl1pPr>
-            <a:lvl2pPr marL="217261" indent="0">
-              <a:buNone/>
-              <a:defRPr sz="665"/>
+            <a:lvl2pPr marL="97246" indent="0">
+              <a:buNone/>
+              <a:defRPr sz="298"/>
             </a:lvl2pPr>
-            <a:lvl3pPr marL="434523" indent="0">
-              <a:buNone/>
-              <a:defRPr sz="570"/>
+            <a:lvl3pPr marL="194493" indent="0">
+              <a:buNone/>
+              <a:defRPr sz="255"/>
             </a:lvl3pPr>
-            <a:lvl4pPr marL="651784" indent="0">
-              <a:buNone/>
-              <a:defRPr sz="475"/>
+            <a:lvl4pPr marL="291739" indent="0">
+              <a:buNone/>
+              <a:defRPr sz="213"/>
             </a:lvl4pPr>
-            <a:lvl5pPr marL="869046" indent="0">
-              <a:buNone/>
-              <a:defRPr sz="475"/>
+            <a:lvl5pPr marL="388986" indent="0">
+              <a:buNone/>
+              <a:defRPr sz="213"/>
             </a:lvl5pPr>
-            <a:lvl6pPr marL="1086307" indent="0">
-              <a:buNone/>
-              <a:defRPr sz="475"/>
+            <a:lvl6pPr marL="486232" indent="0">
+              <a:buNone/>
+              <a:defRPr sz="213"/>
             </a:lvl6pPr>
-            <a:lvl7pPr marL="1303569" indent="0">
-              <a:buNone/>
-              <a:defRPr sz="475"/>
+            <a:lvl7pPr marL="583479" indent="0">
+              <a:buNone/>
+              <a:defRPr sz="213"/>
             </a:lvl7pPr>
-            <a:lvl8pPr marL="1520830" indent="0">
-              <a:buNone/>
-              <a:defRPr sz="475"/>
+            <a:lvl8pPr marL="680725" indent="0">
+              <a:buNone/>
+              <a:defRPr sz="213"/>
             </a:lvl8pPr>
-            <a:lvl9pPr marL="1738092" indent="0">
-              <a:buNone/>
-              <a:defRPr sz="475"/>
+            <a:lvl9pPr marL="777972" indent="0">
+              <a:buNone/>
+              <a:defRPr sz="213"/>
             </a:lvl9pPr>
           </a:lstStyle>
           <a:p>
@@ -2350,7 +2355,7 @@
           <a:p>
             <a:fld id="{1E7E2308-2F23-48D2-A5F1-3B0F75651A25}" type="datetimeFigureOut">
               <a:rPr lang="zh-CN" altLang="en-US" smtClean="0"/>
-              <a:t>2020/12/1</a:t>
+              <a:t>2020/12/12</a:t>
             </a:fld>
             <a:endParaRPr lang="zh-CN" altLang="en-US"/>
           </a:p>
@@ -2401,7 +2406,7 @@
     </p:spTree>
     <p:extLst>
       <p:ext uri="{BB962C8B-B14F-4D97-AF65-F5344CB8AC3E}">
-        <p14:creationId xmlns:p14="http://schemas.microsoft.com/office/powerpoint/2010/main" val="928054867"/>
+        <p14:creationId xmlns:p14="http://schemas.microsoft.com/office/powerpoint/2010/main" val="4108844900"/>
       </p:ext>
     </p:extLst>
   </p:cSld>
@@ -2445,8 +2450,8 @@
         </p:nvSpPr>
         <p:spPr>
           <a:xfrm>
-            <a:off x="838200" y="173519"/>
-            <a:ext cx="10515600" cy="629949"/>
+            <a:off x="838200" y="77674"/>
+            <a:ext cx="10515600" cy="281989"/>
           </a:xfrm>
           <a:prstGeom prst="rect">
             <a:avLst/>
@@ -2478,8 +2483,8 @@
         </p:nvSpPr>
         <p:spPr>
           <a:xfrm>
-            <a:off x="838200" y="867595"/>
-            <a:ext cx="10515600" cy="2067893"/>
+            <a:off x="838200" y="388368"/>
+            <a:ext cx="10515600" cy="925667"/>
           </a:xfrm>
           <a:prstGeom prst="rect">
             <a:avLst/>
@@ -2540,8 +2545,8 @@
         </p:nvSpPr>
         <p:spPr>
           <a:xfrm>
-            <a:off x="838200" y="3020738"/>
-            <a:ext cx="2743200" cy="173519"/>
+            <a:off x="838200" y="1352196"/>
+            <a:ext cx="2743200" cy="77674"/>
           </a:xfrm>
           <a:prstGeom prst="rect">
             <a:avLst/>
@@ -2551,7 +2556,7 @@
           <a:bodyPr vert="horz" lIns="91440" tIns="45720" rIns="91440" bIns="45720" rtlCol="0" anchor="ctr"/>
           <a:lstStyle>
             <a:lvl1pPr algn="l">
-              <a:defRPr sz="570">
+              <a:defRPr sz="255">
                 <a:solidFill>
                   <a:schemeClr val="tx1">
                     <a:tint val="75000"/>
@@ -2563,7 +2568,7 @@
           <a:p>
             <a:fld id="{1E7E2308-2F23-48D2-A5F1-3B0F75651A25}" type="datetimeFigureOut">
               <a:rPr lang="zh-CN" altLang="en-US" smtClean="0"/>
-              <a:t>2020/12/1</a:t>
+              <a:t>2020/12/12</a:t>
             </a:fld>
             <a:endParaRPr lang="zh-CN" altLang="en-US"/>
           </a:p>
@@ -2581,8 +2586,8 @@
         </p:nvSpPr>
         <p:spPr>
           <a:xfrm>
-            <a:off x="4038600" y="3020738"/>
-            <a:ext cx="4114800" cy="173519"/>
+            <a:off x="4038600" y="1352196"/>
+            <a:ext cx="4114800" cy="77674"/>
           </a:xfrm>
           <a:prstGeom prst="rect">
             <a:avLst/>
@@ -2592,7 +2597,7 @@
           <a:bodyPr vert="horz" lIns="91440" tIns="45720" rIns="91440" bIns="45720" rtlCol="0" anchor="ctr"/>
           <a:lstStyle>
             <a:lvl1pPr algn="ctr">
-              <a:defRPr sz="570">
+              <a:defRPr sz="255">
                 <a:solidFill>
                   <a:schemeClr val="tx1">
                     <a:tint val="75000"/>
@@ -2618,8 +2623,8 @@
         </p:nvSpPr>
         <p:spPr>
           <a:xfrm>
-            <a:off x="8610600" y="3020738"/>
-            <a:ext cx="2743200" cy="173519"/>
+            <a:off x="8610600" y="1352196"/>
+            <a:ext cx="2743200" cy="77674"/>
           </a:xfrm>
           <a:prstGeom prst="rect">
             <a:avLst/>
@@ -2629,7 +2634,7 @@
           <a:bodyPr vert="horz" lIns="91440" tIns="45720" rIns="91440" bIns="45720" rtlCol="0" anchor="ctr"/>
           <a:lstStyle>
             <a:lvl1pPr algn="r">
-              <a:defRPr sz="570">
+              <a:defRPr sz="255">
                 <a:solidFill>
                   <a:schemeClr val="tx1">
                     <a:tint val="75000"/>
@@ -2650,27 +2655,27 @@
     </p:spTree>
     <p:extLst>
       <p:ext uri="{BB962C8B-B14F-4D97-AF65-F5344CB8AC3E}">
-        <p14:creationId xmlns:p14="http://schemas.microsoft.com/office/powerpoint/2010/main" val="2503260175"/>
+        <p14:creationId xmlns:p14="http://schemas.microsoft.com/office/powerpoint/2010/main" val="744243185"/>
       </p:ext>
     </p:extLst>
   </p:cSld>
   <p:clrMap bg1="lt1" tx1="dk1" bg2="lt2" tx2="dk2" accent1="accent1" accent2="accent2" accent3="accent3" accent4="accent4" accent5="accent5" accent6="accent6" hlink="hlink" folHlink="folHlink"/>
   <p:sldLayoutIdLst>
-    <p:sldLayoutId id="2147483685" r:id="rId1"/>
-    <p:sldLayoutId id="2147483686" r:id="rId2"/>
-    <p:sldLayoutId id="2147483687" r:id="rId3"/>
-    <p:sldLayoutId id="2147483688" r:id="rId4"/>
-    <p:sldLayoutId id="2147483689" r:id="rId5"/>
-    <p:sldLayoutId id="2147483690" r:id="rId6"/>
-    <p:sldLayoutId id="2147483691" r:id="rId7"/>
-    <p:sldLayoutId id="2147483692" r:id="rId8"/>
-    <p:sldLayoutId id="2147483693" r:id="rId9"/>
-    <p:sldLayoutId id="2147483694" r:id="rId10"/>
-    <p:sldLayoutId id="2147483695" r:id="rId11"/>
+    <p:sldLayoutId id="2147483697" r:id="rId1"/>
+    <p:sldLayoutId id="2147483698" r:id="rId2"/>
+    <p:sldLayoutId id="2147483699" r:id="rId3"/>
+    <p:sldLayoutId id="2147483700" r:id="rId4"/>
+    <p:sldLayoutId id="2147483701" r:id="rId5"/>
+    <p:sldLayoutId id="2147483702" r:id="rId6"/>
+    <p:sldLayoutId id="2147483703" r:id="rId7"/>
+    <p:sldLayoutId id="2147483704" r:id="rId8"/>
+    <p:sldLayoutId id="2147483705" r:id="rId9"/>
+    <p:sldLayoutId id="2147483706" r:id="rId10"/>
+    <p:sldLayoutId id="2147483707" r:id="rId11"/>
   </p:sldLayoutIdLst>
   <p:txStyles>
     <p:titleStyle>
-      <a:lvl1pPr algn="l" defTabSz="434523" rtl="0" eaLnBrk="1" latinLnBrk="0" hangingPunct="1">
+      <a:lvl1pPr algn="l" defTabSz="194493" rtl="0" eaLnBrk="1" latinLnBrk="0" hangingPunct="1">
         <a:lnSpc>
           <a:spcPct val="90000"/>
         </a:lnSpc>
@@ -2678,7 +2683,7 @@
           <a:spcPct val="0"/>
         </a:spcBef>
         <a:buNone/>
-        <a:defRPr sz="2091" kern="1200">
+        <a:defRPr sz="936" kern="1200">
           <a:solidFill>
             <a:schemeClr val="tx1"/>
           </a:solidFill>
@@ -2689,16 +2694,16 @@
       </a:lvl1pPr>
     </p:titleStyle>
     <p:bodyStyle>
-      <a:lvl1pPr marL="108631" indent="-108631" algn="l" defTabSz="434523" rtl="0" eaLnBrk="1" latinLnBrk="0" hangingPunct="1">
+      <a:lvl1pPr marL="48623" indent="-48623" algn="l" defTabSz="194493" rtl="0" eaLnBrk="1" latinLnBrk="0" hangingPunct="1">
         <a:lnSpc>
           <a:spcPct val="90000"/>
         </a:lnSpc>
         <a:spcBef>
-          <a:spcPts val="475"/>
+          <a:spcPts val="213"/>
         </a:spcBef>
         <a:buFont typeface="Arial" panose="020B0604020202020204" pitchFamily="34" charset="0"/>
         <a:buChar char="•"/>
-        <a:defRPr sz="1331" kern="1200">
+        <a:defRPr sz="596" kern="1200">
           <a:solidFill>
             <a:schemeClr val="tx1"/>
           </a:solidFill>
@@ -2707,16 +2712,16 @@
           <a:cs typeface="+mn-cs"/>
         </a:defRPr>
       </a:lvl1pPr>
-      <a:lvl2pPr marL="325892" indent="-108631" algn="l" defTabSz="434523" rtl="0" eaLnBrk="1" latinLnBrk="0" hangingPunct="1">
+      <a:lvl2pPr marL="145870" indent="-48623" algn="l" defTabSz="194493" rtl="0" eaLnBrk="1" latinLnBrk="0" hangingPunct="1">
         <a:lnSpc>
           <a:spcPct val="90000"/>
         </a:lnSpc>
         <a:spcBef>
-          <a:spcPts val="238"/>
+          <a:spcPts val="106"/>
         </a:spcBef>
         <a:buFont typeface="Arial" panose="020B0604020202020204" pitchFamily="34" charset="0"/>
         <a:buChar char="•"/>
-        <a:defRPr sz="1140" kern="1200">
+        <a:defRPr sz="510" kern="1200">
           <a:solidFill>
             <a:schemeClr val="tx1"/>
           </a:solidFill>
@@ -2725,16 +2730,16 @@
           <a:cs typeface="+mn-cs"/>
         </a:defRPr>
       </a:lvl2pPr>
-      <a:lvl3pPr marL="543154" indent="-108631" algn="l" defTabSz="434523" rtl="0" eaLnBrk="1" latinLnBrk="0" hangingPunct="1">
+      <a:lvl3pPr marL="243116" indent="-48623" algn="l" defTabSz="194493" rtl="0" eaLnBrk="1" latinLnBrk="0" hangingPunct="1">
         <a:lnSpc>
           <a:spcPct val="90000"/>
         </a:lnSpc>
         <a:spcBef>
-          <a:spcPts val="238"/>
+          <a:spcPts val="106"/>
         </a:spcBef>
         <a:buFont typeface="Arial" panose="020B0604020202020204" pitchFamily="34" charset="0"/>
         <a:buChar char="•"/>
-        <a:defRPr sz="950" kern="1200">
+        <a:defRPr sz="425" kern="1200">
           <a:solidFill>
             <a:schemeClr val="tx1"/>
           </a:solidFill>
@@ -2743,16 +2748,16 @@
           <a:cs typeface="+mn-cs"/>
         </a:defRPr>
       </a:lvl3pPr>
-      <a:lvl4pPr marL="760415" indent="-108631" algn="l" defTabSz="434523" rtl="0" eaLnBrk="1" latinLnBrk="0" hangingPunct="1">
+      <a:lvl4pPr marL="340363" indent="-48623" algn="l" defTabSz="194493" rtl="0" eaLnBrk="1" latinLnBrk="0" hangingPunct="1">
         <a:lnSpc>
           <a:spcPct val="90000"/>
         </a:lnSpc>
         <a:spcBef>
-          <a:spcPts val="238"/>
+          <a:spcPts val="106"/>
         </a:spcBef>
         <a:buFont typeface="Arial" panose="020B0604020202020204" pitchFamily="34" charset="0"/>
         <a:buChar char="•"/>
-        <a:defRPr sz="855" kern="1200">
+        <a:defRPr sz="383" kern="1200">
           <a:solidFill>
             <a:schemeClr val="tx1"/>
           </a:solidFill>
@@ -2761,16 +2766,16 @@
           <a:cs typeface="+mn-cs"/>
         </a:defRPr>
       </a:lvl4pPr>
-      <a:lvl5pPr marL="977676" indent="-108631" algn="l" defTabSz="434523" rtl="0" eaLnBrk="1" latinLnBrk="0" hangingPunct="1">
+      <a:lvl5pPr marL="437609" indent="-48623" algn="l" defTabSz="194493" rtl="0" eaLnBrk="1" latinLnBrk="0" hangingPunct="1">
         <a:lnSpc>
           <a:spcPct val="90000"/>
         </a:lnSpc>
         <a:spcBef>
-          <a:spcPts val="238"/>
+          <a:spcPts val="106"/>
         </a:spcBef>
         <a:buFont typeface="Arial" panose="020B0604020202020204" pitchFamily="34" charset="0"/>
         <a:buChar char="•"/>
-        <a:defRPr sz="855" kern="1200">
+        <a:defRPr sz="383" kern="1200">
           <a:solidFill>
             <a:schemeClr val="tx1"/>
           </a:solidFill>
@@ -2779,16 +2784,16 @@
           <a:cs typeface="+mn-cs"/>
         </a:defRPr>
       </a:lvl5pPr>
-      <a:lvl6pPr marL="1194938" indent="-108631" algn="l" defTabSz="434523" rtl="0" eaLnBrk="1" latinLnBrk="0" hangingPunct="1">
+      <a:lvl6pPr marL="534855" indent="-48623" algn="l" defTabSz="194493" rtl="0" eaLnBrk="1" latinLnBrk="0" hangingPunct="1">
         <a:lnSpc>
           <a:spcPct val="90000"/>
         </a:lnSpc>
         <a:spcBef>
-          <a:spcPts val="238"/>
+          <a:spcPts val="106"/>
         </a:spcBef>
         <a:buFont typeface="Arial" panose="020B0604020202020204" pitchFamily="34" charset="0"/>
         <a:buChar char="•"/>
-        <a:defRPr sz="855" kern="1200">
+        <a:defRPr sz="383" kern="1200">
           <a:solidFill>
             <a:schemeClr val="tx1"/>
           </a:solidFill>
@@ -2797,16 +2802,16 @@
           <a:cs typeface="+mn-cs"/>
         </a:defRPr>
       </a:lvl6pPr>
-      <a:lvl7pPr marL="1412199" indent="-108631" algn="l" defTabSz="434523" rtl="0" eaLnBrk="1" latinLnBrk="0" hangingPunct="1">
+      <a:lvl7pPr marL="632102" indent="-48623" algn="l" defTabSz="194493" rtl="0" eaLnBrk="1" latinLnBrk="0" hangingPunct="1">
         <a:lnSpc>
           <a:spcPct val="90000"/>
         </a:lnSpc>
         <a:spcBef>
-          <a:spcPts val="238"/>
+          <a:spcPts val="106"/>
         </a:spcBef>
         <a:buFont typeface="Arial" panose="020B0604020202020204" pitchFamily="34" charset="0"/>
         <a:buChar char="•"/>
-        <a:defRPr sz="855" kern="1200">
+        <a:defRPr sz="383" kern="1200">
           <a:solidFill>
             <a:schemeClr val="tx1"/>
           </a:solidFill>
@@ -2815,16 +2820,16 @@
           <a:cs typeface="+mn-cs"/>
         </a:defRPr>
       </a:lvl7pPr>
-      <a:lvl8pPr marL="1629461" indent="-108631" algn="l" defTabSz="434523" rtl="0" eaLnBrk="1" latinLnBrk="0" hangingPunct="1">
+      <a:lvl8pPr marL="729348" indent="-48623" algn="l" defTabSz="194493" rtl="0" eaLnBrk="1" latinLnBrk="0" hangingPunct="1">
         <a:lnSpc>
           <a:spcPct val="90000"/>
         </a:lnSpc>
         <a:spcBef>
-          <a:spcPts val="238"/>
+          <a:spcPts val="106"/>
         </a:spcBef>
         <a:buFont typeface="Arial" panose="020B0604020202020204" pitchFamily="34" charset="0"/>
         <a:buChar char="•"/>
-        <a:defRPr sz="855" kern="1200">
+        <a:defRPr sz="383" kern="1200">
           <a:solidFill>
             <a:schemeClr val="tx1"/>
           </a:solidFill>
@@ -2833,16 +2838,16 @@
           <a:cs typeface="+mn-cs"/>
         </a:defRPr>
       </a:lvl8pPr>
-      <a:lvl9pPr marL="1846722" indent="-108631" algn="l" defTabSz="434523" rtl="0" eaLnBrk="1" latinLnBrk="0" hangingPunct="1">
+      <a:lvl9pPr marL="826595" indent="-48623" algn="l" defTabSz="194493" rtl="0" eaLnBrk="1" latinLnBrk="0" hangingPunct="1">
         <a:lnSpc>
           <a:spcPct val="90000"/>
         </a:lnSpc>
         <a:spcBef>
-          <a:spcPts val="238"/>
+          <a:spcPts val="106"/>
         </a:spcBef>
         <a:buFont typeface="Arial" panose="020B0604020202020204" pitchFamily="34" charset="0"/>
         <a:buChar char="•"/>
-        <a:defRPr sz="855" kern="1200">
+        <a:defRPr sz="383" kern="1200">
           <a:solidFill>
             <a:schemeClr val="tx1"/>
           </a:solidFill>
@@ -2856,8 +2861,8 @@
       <a:defPPr>
         <a:defRPr lang="en-US"/>
       </a:defPPr>
-      <a:lvl1pPr marL="0" algn="l" defTabSz="434523" rtl="0" eaLnBrk="1" latinLnBrk="0" hangingPunct="1">
-        <a:defRPr sz="855" kern="1200">
+      <a:lvl1pPr marL="0" algn="l" defTabSz="194493" rtl="0" eaLnBrk="1" latinLnBrk="0" hangingPunct="1">
+        <a:defRPr sz="383" kern="1200">
           <a:solidFill>
             <a:schemeClr val="tx1"/>
           </a:solidFill>
@@ -2866,8 +2871,8 @@
           <a:cs typeface="+mn-cs"/>
         </a:defRPr>
       </a:lvl1pPr>
-      <a:lvl2pPr marL="217261" algn="l" defTabSz="434523" rtl="0" eaLnBrk="1" latinLnBrk="0" hangingPunct="1">
-        <a:defRPr sz="855" kern="1200">
+      <a:lvl2pPr marL="97246" algn="l" defTabSz="194493" rtl="0" eaLnBrk="1" latinLnBrk="0" hangingPunct="1">
+        <a:defRPr sz="383" kern="1200">
           <a:solidFill>
             <a:schemeClr val="tx1"/>
           </a:solidFill>
@@ -2876,8 +2881,8 @@
           <a:cs typeface="+mn-cs"/>
         </a:defRPr>
       </a:lvl2pPr>
-      <a:lvl3pPr marL="434523" algn="l" defTabSz="434523" rtl="0" eaLnBrk="1" latinLnBrk="0" hangingPunct="1">
-        <a:defRPr sz="855" kern="1200">
+      <a:lvl3pPr marL="194493" algn="l" defTabSz="194493" rtl="0" eaLnBrk="1" latinLnBrk="0" hangingPunct="1">
+        <a:defRPr sz="383" kern="1200">
           <a:solidFill>
             <a:schemeClr val="tx1"/>
           </a:solidFill>
@@ -2886,8 +2891,8 @@
           <a:cs typeface="+mn-cs"/>
         </a:defRPr>
       </a:lvl3pPr>
-      <a:lvl4pPr marL="651784" algn="l" defTabSz="434523" rtl="0" eaLnBrk="1" latinLnBrk="0" hangingPunct="1">
-        <a:defRPr sz="855" kern="1200">
+      <a:lvl4pPr marL="291739" algn="l" defTabSz="194493" rtl="0" eaLnBrk="1" latinLnBrk="0" hangingPunct="1">
+        <a:defRPr sz="383" kern="1200">
           <a:solidFill>
             <a:schemeClr val="tx1"/>
           </a:solidFill>
@@ -2896,8 +2901,8 @@
           <a:cs typeface="+mn-cs"/>
         </a:defRPr>
       </a:lvl4pPr>
-      <a:lvl5pPr marL="869046" algn="l" defTabSz="434523" rtl="0" eaLnBrk="1" latinLnBrk="0" hangingPunct="1">
-        <a:defRPr sz="855" kern="1200">
+      <a:lvl5pPr marL="388986" algn="l" defTabSz="194493" rtl="0" eaLnBrk="1" latinLnBrk="0" hangingPunct="1">
+        <a:defRPr sz="383" kern="1200">
           <a:solidFill>
             <a:schemeClr val="tx1"/>
           </a:solidFill>
@@ -2906,8 +2911,8 @@
           <a:cs typeface="+mn-cs"/>
         </a:defRPr>
       </a:lvl5pPr>
-      <a:lvl6pPr marL="1086307" algn="l" defTabSz="434523" rtl="0" eaLnBrk="1" latinLnBrk="0" hangingPunct="1">
-        <a:defRPr sz="855" kern="1200">
+      <a:lvl6pPr marL="486232" algn="l" defTabSz="194493" rtl="0" eaLnBrk="1" latinLnBrk="0" hangingPunct="1">
+        <a:defRPr sz="383" kern="1200">
           <a:solidFill>
             <a:schemeClr val="tx1"/>
           </a:solidFill>
@@ -2916,8 +2921,8 @@
           <a:cs typeface="+mn-cs"/>
         </a:defRPr>
       </a:lvl6pPr>
-      <a:lvl7pPr marL="1303569" algn="l" defTabSz="434523" rtl="0" eaLnBrk="1" latinLnBrk="0" hangingPunct="1">
-        <a:defRPr sz="855" kern="1200">
+      <a:lvl7pPr marL="583479" algn="l" defTabSz="194493" rtl="0" eaLnBrk="1" latinLnBrk="0" hangingPunct="1">
+        <a:defRPr sz="383" kern="1200">
           <a:solidFill>
             <a:schemeClr val="tx1"/>
           </a:solidFill>
@@ -2926,8 +2931,8 @@
           <a:cs typeface="+mn-cs"/>
         </a:defRPr>
       </a:lvl7pPr>
-      <a:lvl8pPr marL="1520830" algn="l" defTabSz="434523" rtl="0" eaLnBrk="1" latinLnBrk="0" hangingPunct="1">
-        <a:defRPr sz="855" kern="1200">
+      <a:lvl8pPr marL="680725" algn="l" defTabSz="194493" rtl="0" eaLnBrk="1" latinLnBrk="0" hangingPunct="1">
+        <a:defRPr sz="383" kern="1200">
           <a:solidFill>
             <a:schemeClr val="tx1"/>
           </a:solidFill>
@@ -2936,8 +2941,8 @@
           <a:cs typeface="+mn-cs"/>
         </a:defRPr>
       </a:lvl8pPr>
-      <a:lvl9pPr marL="1738092" algn="l" defTabSz="434523" rtl="0" eaLnBrk="1" latinLnBrk="0" hangingPunct="1">
-        <a:defRPr sz="855" kern="1200">
+      <a:lvl9pPr marL="777972" algn="l" defTabSz="194493" rtl="0" eaLnBrk="1" latinLnBrk="0" hangingPunct="1">
+        <a:defRPr sz="383" kern="1200">
           <a:solidFill>
             <a:schemeClr val="tx1"/>
           </a:solidFill>
@@ -2982,10 +2987,10 @@
         </p:nvGrpSpPr>
         <p:grpSpPr>
           <a:xfrm>
-            <a:off x="2356017" y="155960"/>
-            <a:ext cx="8940133" cy="3447502"/>
-            <a:chOff x="642518" y="-1676213"/>
-            <a:chExt cx="9942857" cy="4410599"/>
+            <a:off x="2169194" y="-1442028"/>
+            <a:ext cx="8940133" cy="3115349"/>
+            <a:chOff x="642518" y="-1251269"/>
+            <a:chExt cx="9942857" cy="3985655"/>
           </a:xfrm>
         </p:grpSpPr>
         <p:sp>
@@ -3038,109 +3043,6 @@
         </p:sp>
         <p:sp>
           <p:nvSpPr>
-            <p:cNvPr id="7" name="Rectangle 13">
-              <a:extLst>
-                <a:ext uri="{FF2B5EF4-FFF2-40B4-BE49-F238E27FC236}">
-                  <a16:creationId xmlns:a16="http://schemas.microsoft.com/office/drawing/2014/main" id="{77C241AF-25E4-4FC2-848B-FF8437B833C5}"/>
-                </a:ext>
-              </a:extLst>
-            </p:cNvPr>
-            <p:cNvSpPr/>
-            <p:nvPr/>
-          </p:nvSpPr>
-          <p:spPr>
-            <a:xfrm>
-              <a:off x="5101236" y="-1676213"/>
-              <a:ext cx="2996192" cy="871821"/>
-            </a:xfrm>
-            <a:prstGeom prst="rect">
-              <a:avLst/>
-            </a:prstGeom>
-            <a:solidFill>
-              <a:schemeClr val="bg1"/>
-            </a:solidFill>
-            <a:ln w="28575">
-              <a:solidFill>
-                <a:schemeClr val="tx1"/>
-              </a:solidFill>
-            </a:ln>
-          </p:spPr>
-          <p:style>
-            <a:lnRef idx="1">
-              <a:schemeClr val="accent3"/>
-            </a:lnRef>
-            <a:fillRef idx="2">
-              <a:schemeClr val="accent3"/>
-            </a:fillRef>
-            <a:effectRef idx="1">
-              <a:schemeClr val="accent3"/>
-            </a:effectRef>
-            <a:fontRef idx="minor">
-              <a:schemeClr val="dk1"/>
-            </a:fontRef>
-          </p:style>
-          <p:txBody>
-            <a:bodyPr rtlCol="0" anchor="ctr" anchorCtr="0"/>
-            <a:lstStyle/>
-            <a:p>
-              <a:pPr algn="ctr"/>
-              <a:r>
-                <a:rPr lang="en-US" altLang="zh-CN" sz="2267" b="1" i="1" dirty="0"/>
-                <a:t>Fixed Configuration</a:t>
-              </a:r>
-              <a:endParaRPr lang="en-US" altLang="zh-CN" sz="1888" i="1" dirty="0"/>
-            </a:p>
-          </p:txBody>
-        </p:sp>
-        <p:cxnSp>
-          <p:nvCxnSpPr>
-            <p:cNvPr id="8" name="Elbow Connector 14">
-              <a:extLst>
-                <a:ext uri="{FF2B5EF4-FFF2-40B4-BE49-F238E27FC236}">
-                  <a16:creationId xmlns:a16="http://schemas.microsoft.com/office/drawing/2014/main" id="{4B16B914-89B2-4C23-A9A9-2D3480F3DCA2}"/>
-                </a:ext>
-              </a:extLst>
-            </p:cNvPr>
-            <p:cNvCxnSpPr>
-              <a:cxnSpLocks/>
-              <a:stCxn id="7" idx="1"/>
-              <a:endCxn id="22" idx="0"/>
-            </p:cNvCxnSpPr>
-            <p:nvPr/>
-          </p:nvCxnSpPr>
-          <p:spPr>
-            <a:xfrm rot="10800000" flipV="1">
-              <a:off x="4577324" y="-1240303"/>
-              <a:ext cx="523913" cy="2398689"/>
-            </a:xfrm>
-            <a:prstGeom prst="bentConnector2">
-              <a:avLst/>
-            </a:prstGeom>
-            <a:ln w="38100">
-              <a:solidFill>
-                <a:schemeClr val="tx1"/>
-              </a:solidFill>
-              <a:headEnd type="none" w="lg" len="lg"/>
-              <a:tailEnd type="triangle" w="lg" len="lg"/>
-            </a:ln>
-          </p:spPr>
-          <p:style>
-            <a:lnRef idx="1">
-              <a:schemeClr val="accent1"/>
-            </a:lnRef>
-            <a:fillRef idx="0">
-              <a:schemeClr val="accent1"/>
-            </a:fillRef>
-            <a:effectRef idx="0">
-              <a:schemeClr val="accent1"/>
-            </a:effectRef>
-            <a:fontRef idx="minor">
-              <a:schemeClr val="tx1"/>
-            </a:fontRef>
-          </p:style>
-        </p:cxnSp>
-        <p:sp>
-          <p:nvSpPr>
             <p:cNvPr id="11" name="Right Arrow 17">
               <a:extLst>
                 <a:ext uri="{FF2B5EF4-FFF2-40B4-BE49-F238E27FC236}">
@@ -3153,7 +3055,7 @@
           </p:nvSpPr>
           <p:spPr>
             <a:xfrm>
-              <a:off x="5529213" y="1235019"/>
+              <a:off x="5548134" y="1303398"/>
               <a:ext cx="1070119" cy="380719"/>
             </a:xfrm>
             <a:prstGeom prst="rightArrow">
@@ -3197,7 +3099,7 @@
           </p:nvSpPr>
           <p:spPr>
             <a:xfrm>
-              <a:off x="6087119" y="1780506"/>
+              <a:off x="6093061" y="1811329"/>
               <a:ext cx="3833573" cy="415579"/>
             </a:xfrm>
             <a:prstGeom prst="rect">
@@ -3217,7 +3119,7 @@
                 <a:t>(</a:t>
               </a:r>
               <a:r>
-                <a:rPr lang="en-US" altLang="zh-CN" sz="1511" i="1" dirty="0"/>
+                <a:rPr lang="en-US" altLang="zh-CN" sz="1511" dirty="0"/>
                 <a:t>fixed</a:t>
               </a:r>
               <a:r>
@@ -3241,85 +3143,6 @@
         </p:sp>
         <p:sp>
           <p:nvSpPr>
-            <p:cNvPr id="13" name="TextBox 19">
-              <a:extLst>
-                <a:ext uri="{FF2B5EF4-FFF2-40B4-BE49-F238E27FC236}">
-                  <a16:creationId xmlns:a16="http://schemas.microsoft.com/office/drawing/2014/main" id="{065C671D-7E66-4295-A9EA-F148702C9800}"/>
-                </a:ext>
-              </a:extLst>
-            </p:cNvPr>
-            <p:cNvSpPr txBox="1"/>
-            <p:nvPr/>
-          </p:nvSpPr>
-          <p:spPr>
-            <a:xfrm>
-              <a:off x="2550588" y="-996916"/>
-              <a:ext cx="824008" cy="452985"/>
-            </a:xfrm>
-            <a:prstGeom prst="rect">
-              <a:avLst/>
-            </a:prstGeom>
-            <a:noFill/>
-          </p:spPr>
-          <p:txBody>
-            <a:bodyPr wrap="none" rtlCol="0">
-              <a:spAutoFit/>
-            </a:bodyPr>
-            <a:lstStyle/>
-            <a:p>
-              <a:r>
-                <a:rPr lang="en-US" sz="1701" dirty="0"/>
-                <a:t>1080p</a:t>
-              </a:r>
-            </a:p>
-          </p:txBody>
-        </p:sp>
-        <p:sp>
-          <p:nvSpPr>
-            <p:cNvPr id="19" name="TextBox 25">
-              <a:extLst>
-                <a:ext uri="{FF2B5EF4-FFF2-40B4-BE49-F238E27FC236}">
-                  <a16:creationId xmlns:a16="http://schemas.microsoft.com/office/drawing/2014/main" id="{529868A7-399D-4491-A160-CB9741C8C035}"/>
-                </a:ext>
-              </a:extLst>
-            </p:cNvPr>
-            <p:cNvSpPr txBox="1"/>
-            <p:nvPr/>
-          </p:nvSpPr>
-          <p:spPr>
-            <a:xfrm>
-              <a:off x="5093229" y="-476197"/>
-              <a:ext cx="1352642" cy="415579"/>
-            </a:xfrm>
-            <a:prstGeom prst="rect">
-              <a:avLst/>
-            </a:prstGeom>
-            <a:noFill/>
-          </p:spPr>
-          <p:txBody>
-            <a:bodyPr wrap="none" rtlCol="0">
-              <a:spAutoFit/>
-            </a:bodyPr>
-            <a:lstStyle/>
-            <a:p>
-              <a:r>
-                <a:rPr lang="en-US" sz="1511" dirty="0"/>
-                <a:t>(</a:t>
-              </a:r>
-              <a:r>
-                <a:rPr lang="en-US" altLang="zh-CN" sz="1511" i="1" dirty="0"/>
-                <a:t>fixed</a:t>
-              </a:r>
-              <a:r>
-                <a:rPr lang="en-US" sz="1511" dirty="0"/>
-                <a:t> 1024p)</a:t>
-              </a:r>
-              <a:endParaRPr lang="en-US" sz="1133" dirty="0"/>
-            </a:p>
-          </p:txBody>
-        </p:sp>
-        <p:sp>
-          <p:nvSpPr>
             <p:cNvPr id="22" name="TextBox 28">
               <a:extLst>
                 <a:ext uri="{FF2B5EF4-FFF2-40B4-BE49-F238E27FC236}">
@@ -3332,8 +3155,8 @@
           </p:nvSpPr>
           <p:spPr>
             <a:xfrm>
-              <a:off x="3739084" y="1158386"/>
-              <a:ext cx="1676478" cy="452985"/>
+              <a:off x="3770262" y="1063702"/>
+              <a:ext cx="1723975" cy="787843"/>
             </a:xfrm>
             <a:prstGeom prst="rect">
               <a:avLst/>
@@ -3374,77 +3197,12 @@
               <a:pPr algn="ctr"/>
               <a:r>
                 <a:rPr lang="en-US" altLang="zh-CN" sz="1701" b="1" dirty="0"/>
-                <a:t>Resolution</a:t>
+                <a:t> Fixed Resolution</a:t>
               </a:r>
             </a:p>
           </p:txBody>
         </p:sp>
       </p:grpSp>
-      <p:sp>
-        <p:nvSpPr>
-          <p:cNvPr id="2" name="TextBox 16">
-            <a:extLst>
-              <a:ext uri="{FF2B5EF4-FFF2-40B4-BE49-F238E27FC236}">
-                <a16:creationId xmlns:a16="http://schemas.microsoft.com/office/drawing/2014/main" id="{F2EAF924-5ADA-4A13-9D4A-88D7F0F3C4E1}"/>
-              </a:ext>
-            </a:extLst>
-          </p:cNvPr>
-          <p:cNvSpPr txBox="1"/>
-          <p:nvPr/>
-        </p:nvSpPr>
-        <p:spPr>
-          <a:xfrm>
-            <a:off x="9245985" y="903788"/>
-            <a:ext cx="2276297" cy="1139286"/>
-          </a:xfrm>
-          <a:prstGeom prst="rect">
-            <a:avLst/>
-          </a:prstGeom>
-          <a:noFill/>
-        </p:spPr>
-        <p:txBody>
-          <a:bodyPr wrap="square" rtlCol="0">
-            <a:spAutoFit/>
-          </a:bodyPr>
-          <a:lstStyle/>
-          <a:p>
-            <a:r>
-              <a:rPr lang="en-US" altLang="zh-CN" sz="1701" b="1" i="1" dirty="0"/>
-              <a:t>Configurations:</a:t>
-            </a:r>
-          </a:p>
-          <a:p>
-            <a:pPr marL="431660" indent="-431660">
-              <a:buFont typeface="Arial" charset="0"/>
-              <a:buChar char="•"/>
-            </a:pPr>
-            <a:r>
-              <a:rPr lang="en-US" altLang="zh-CN" sz="1701" i="1" dirty="0"/>
-              <a:t>FPS</a:t>
-            </a:r>
-          </a:p>
-          <a:p>
-            <a:pPr marL="431660" indent="-431660">
-              <a:buFont typeface="Arial" charset="0"/>
-              <a:buChar char="•"/>
-            </a:pPr>
-            <a:r>
-              <a:rPr lang="en-US" altLang="zh-CN" sz="1701" i="1" dirty="0"/>
-              <a:t>Resolution</a:t>
-            </a:r>
-          </a:p>
-          <a:p>
-            <a:pPr marL="431660" indent="-431660">
-              <a:buFont typeface="Arial" charset="0"/>
-              <a:buChar char="•"/>
-            </a:pPr>
-            <a:r>
-              <a:rPr lang="en-US" altLang="zh-CN" sz="1701" i="1" dirty="0"/>
-              <a:t>Model</a:t>
-            </a:r>
-          </a:p>
-        </p:txBody>
-      </p:sp>
       <p:sp>
         <p:nvSpPr>
           <p:cNvPr id="10" name="TextBox 28">
@@ -3459,7 +3217,7 @@
         </p:nvSpPr>
         <p:spPr>
           <a:xfrm>
-            <a:off x="446250" y="2162234"/>
+            <a:off x="270404" y="289105"/>
             <a:ext cx="1224592" cy="790088"/>
           </a:xfrm>
           <a:prstGeom prst="rect">
@@ -3528,7 +3286,7 @@
         </p:nvSpPr>
         <p:spPr>
           <a:xfrm>
-            <a:off x="1747589" y="2237457"/>
+            <a:off x="1571744" y="364329"/>
             <a:ext cx="520703" cy="693097"/>
           </a:xfrm>
           <a:prstGeom prst="rightArrow">
@@ -3572,7 +3330,7 @@
         </p:nvSpPr>
         <p:spPr>
           <a:xfrm>
-            <a:off x="2319268" y="2371446"/>
+            <a:off x="2143422" y="498318"/>
             <a:ext cx="1785436" cy="354071"/>
           </a:xfrm>
           <a:prstGeom prst="rect">
@@ -3614,7 +3372,7 @@
             <a:pPr algn="ctr"/>
             <a:r>
               <a:rPr lang="en-US" altLang="zh-CN" sz="1701" b="1" dirty="0"/>
-              <a:t>Frame Rate </a:t>
+              <a:t>Fixed Frame Rate </a:t>
             </a:r>
             <a:endParaRPr lang="en-US" sz="1701" b="1" dirty="0"/>
           </a:p>
@@ -3634,7 +3392,7 @@
         </p:nvSpPr>
         <p:spPr>
           <a:xfrm>
-            <a:off x="4124911" y="2405538"/>
+            <a:off x="3970109" y="535149"/>
             <a:ext cx="962198" cy="298000"/>
           </a:xfrm>
           <a:prstGeom prst="rightArrow">
@@ -3664,234 +3422,6 @@
           </a:p>
         </p:txBody>
       </p:sp>
-      <p:pic>
-        <p:nvPicPr>
-          <p:cNvPr id="39" name="图片 38">
-            <a:extLst>
-              <a:ext uri="{FF2B5EF4-FFF2-40B4-BE49-F238E27FC236}">
-                <a16:creationId xmlns:a16="http://schemas.microsoft.com/office/drawing/2014/main" id="{D150EE41-D8AB-4B61-AA74-31F71E40DC95}"/>
-              </a:ext>
-            </a:extLst>
-          </p:cNvPr>
-          <p:cNvPicPr>
-            <a:picLocks noChangeAspect="1"/>
-          </p:cNvPicPr>
-          <p:nvPr/>
-        </p:nvPicPr>
-        <p:blipFill>
-          <a:blip r:embed="rId2" cstate="print">
-            <a:extLst>
-              <a:ext uri="{28A0092B-C50C-407E-A947-70E740481C1C}">
-                <a14:useLocalDpi xmlns:a14="http://schemas.microsoft.com/office/drawing/2010/main" val="0"/>
-              </a:ext>
-            </a:extLst>
-          </a:blip>
-          <a:stretch>
-            <a:fillRect/>
-          </a:stretch>
-        </p:blipFill>
-        <p:spPr>
-          <a:xfrm>
-            <a:off x="3560626" y="998217"/>
-            <a:ext cx="1405617" cy="790659"/>
-          </a:xfrm>
-          <a:prstGeom prst="rect">
-            <a:avLst/>
-          </a:prstGeom>
-        </p:spPr>
-      </p:pic>
-      <p:pic>
-        <p:nvPicPr>
-          <p:cNvPr id="41" name="图片 40">
-            <a:extLst>
-              <a:ext uri="{FF2B5EF4-FFF2-40B4-BE49-F238E27FC236}">
-                <a16:creationId xmlns:a16="http://schemas.microsoft.com/office/drawing/2014/main" id="{C698A4CD-B0C9-44B9-BF3C-DE6BB25FBF7B}"/>
-              </a:ext>
-            </a:extLst>
-          </p:cNvPr>
-          <p:cNvPicPr>
-            <a:picLocks noChangeAspect="1"/>
-          </p:cNvPicPr>
-          <p:nvPr/>
-        </p:nvPicPr>
-        <p:blipFill>
-          <a:blip r:embed="rId3" cstate="print">
-            <a:extLst>
-              <a:ext uri="{28A0092B-C50C-407E-A947-70E740481C1C}">
-                <a14:useLocalDpi xmlns:a14="http://schemas.microsoft.com/office/drawing/2010/main" val="0"/>
-              </a:ext>
-            </a:extLst>
-          </a:blip>
-          <a:stretch>
-            <a:fillRect/>
-          </a:stretch>
-        </p:blipFill>
-        <p:spPr>
-          <a:xfrm>
-            <a:off x="3722533" y="1150132"/>
-            <a:ext cx="1405619" cy="790661"/>
-          </a:xfrm>
-          <a:prstGeom prst="rect">
-            <a:avLst/>
-          </a:prstGeom>
-        </p:spPr>
-      </p:pic>
-      <p:pic>
-        <p:nvPicPr>
-          <p:cNvPr id="37" name="图片 36">
-            <a:extLst>
-              <a:ext uri="{FF2B5EF4-FFF2-40B4-BE49-F238E27FC236}">
-                <a16:creationId xmlns:a16="http://schemas.microsoft.com/office/drawing/2014/main" id="{2640D3FE-61F5-4AF2-9B34-3DFA525FE42A}"/>
-              </a:ext>
-            </a:extLst>
-          </p:cNvPr>
-          <p:cNvPicPr>
-            <a:picLocks noChangeAspect="1"/>
-          </p:cNvPicPr>
-          <p:nvPr/>
-        </p:nvPicPr>
-        <p:blipFill>
-          <a:blip r:embed="rId4" cstate="print">
-            <a:extLst>
-              <a:ext uri="{28A0092B-C50C-407E-A947-70E740481C1C}">
-                <a14:useLocalDpi xmlns:a14="http://schemas.microsoft.com/office/drawing/2010/main" val="0"/>
-              </a:ext>
-            </a:extLst>
-          </a:blip>
-          <a:stretch>
-            <a:fillRect/>
-          </a:stretch>
-        </p:blipFill>
-        <p:spPr>
-          <a:xfrm>
-            <a:off x="3977085" y="1284811"/>
-            <a:ext cx="1405617" cy="790659"/>
-          </a:xfrm>
-          <a:prstGeom prst="rect">
-            <a:avLst/>
-          </a:prstGeom>
-        </p:spPr>
-      </p:pic>
-      <p:sp>
-        <p:nvSpPr>
-          <p:cNvPr id="49" name="TextBox 26">
-            <a:extLst>
-              <a:ext uri="{FF2B5EF4-FFF2-40B4-BE49-F238E27FC236}">
-                <a16:creationId xmlns:a16="http://schemas.microsoft.com/office/drawing/2014/main" id="{5B09B27F-833D-4C22-AE51-F37F13B1DC20}"/>
-              </a:ext>
-            </a:extLst>
-          </p:cNvPr>
-          <p:cNvSpPr txBox="1"/>
-          <p:nvPr/>
-        </p:nvSpPr>
-        <p:spPr>
-          <a:xfrm rot="2290779">
-            <a:off x="3278503" y="1541061"/>
-            <a:ext cx="445282" cy="557204"/>
-          </a:xfrm>
-          <a:prstGeom prst="rect">
-            <a:avLst/>
-          </a:prstGeom>
-          <a:noFill/>
-        </p:spPr>
-        <p:txBody>
-          <a:bodyPr wrap="square" rtlCol="0">
-            <a:spAutoFit/>
-          </a:bodyPr>
-          <a:lstStyle/>
-          <a:p>
-            <a:r>
-              <a:rPr lang="mr-IN" sz="3021" dirty="0"/>
-              <a:t>…</a:t>
-            </a:r>
-            <a:endParaRPr lang="en-US" sz="3021" dirty="0"/>
-          </a:p>
-        </p:txBody>
-      </p:sp>
-      <p:pic>
-        <p:nvPicPr>
-          <p:cNvPr id="51" name="图片 50">
-            <a:extLst>
-              <a:ext uri="{FF2B5EF4-FFF2-40B4-BE49-F238E27FC236}">
-                <a16:creationId xmlns:a16="http://schemas.microsoft.com/office/drawing/2014/main" id="{772C9F74-D2E6-48E3-AA1C-402C505A92F2}"/>
-              </a:ext>
-            </a:extLst>
-          </p:cNvPr>
-          <p:cNvPicPr>
-            <a:picLocks noChangeAspect="1"/>
-          </p:cNvPicPr>
-          <p:nvPr/>
-        </p:nvPicPr>
-        <p:blipFill>
-          <a:blip r:embed="rId5" cstate="print">
-            <a:extLst>
-              <a:ext uri="{28A0092B-C50C-407E-A947-70E740481C1C}">
-                <a14:useLocalDpi xmlns:a14="http://schemas.microsoft.com/office/drawing/2010/main" val="0"/>
-              </a:ext>
-            </a:extLst>
-          </a:blip>
-          <a:stretch>
-            <a:fillRect/>
-          </a:stretch>
-        </p:blipFill>
-        <p:spPr>
-          <a:xfrm>
-            <a:off x="6250573" y="1413602"/>
-            <a:ext cx="1443053" cy="859345"/>
-          </a:xfrm>
-          <a:prstGeom prst="rect">
-            <a:avLst/>
-          </a:prstGeom>
-        </p:spPr>
-      </p:pic>
-      <p:cxnSp>
-        <p:nvCxnSpPr>
-          <p:cNvPr id="56" name="Elbow Connector 14">
-            <a:extLst>
-              <a:ext uri="{FF2B5EF4-FFF2-40B4-BE49-F238E27FC236}">
-                <a16:creationId xmlns:a16="http://schemas.microsoft.com/office/drawing/2014/main" id="{87962F8B-EC14-4EAB-9E59-825F579076CC}"/>
-              </a:ext>
-            </a:extLst>
-          </p:cNvPr>
-          <p:cNvCxnSpPr>
-            <a:cxnSpLocks/>
-            <a:stCxn id="7" idx="1"/>
-          </p:cNvCxnSpPr>
-          <p:nvPr/>
-        </p:nvCxnSpPr>
-        <p:spPr>
-          <a:xfrm rot="10800000" flipV="1">
-            <a:off x="3225873" y="496685"/>
-            <a:ext cx="3139206" cy="1861388"/>
-          </a:xfrm>
-          <a:prstGeom prst="bentConnector3">
-            <a:avLst>
-              <a:gd name="adj1" fmla="val 100228"/>
-            </a:avLst>
-          </a:prstGeom>
-          <a:ln w="38100">
-            <a:solidFill>
-              <a:schemeClr val="tx1"/>
-            </a:solidFill>
-            <a:headEnd type="none" w="lg" len="lg"/>
-            <a:tailEnd type="triangle" w="lg" len="lg"/>
-          </a:ln>
-        </p:spPr>
-        <p:style>
-          <a:lnRef idx="1">
-            <a:schemeClr val="accent1"/>
-          </a:lnRef>
-          <a:fillRef idx="0">
-            <a:schemeClr val="accent1"/>
-          </a:fillRef>
-          <a:effectRef idx="0">
-            <a:schemeClr val="accent1"/>
-          </a:effectRef>
-          <a:fontRef idx="minor">
-            <a:schemeClr val="tx1"/>
-          </a:fontRef>
-        </p:style>
-      </p:cxnSp>
       <p:sp>
         <p:nvSpPr>
           <p:cNvPr id="65" name="TextBox 28">
@@ -3906,8 +3436,8 @@
         </p:nvSpPr>
         <p:spPr>
           <a:xfrm>
-            <a:off x="7735114" y="2212227"/>
-            <a:ext cx="2076490" cy="615810"/>
+            <a:off x="7576988" y="364328"/>
+            <a:ext cx="2406884" cy="615810"/>
           </a:xfrm>
           <a:prstGeom prst="rect">
             <a:avLst/>
@@ -3948,14 +3478,14 @@
             <a:pPr algn="ctr"/>
             <a:r>
               <a:rPr lang="en-US" altLang="zh-CN" sz="1701" b="1" dirty="0"/>
-              <a:t>Object Detection</a:t>
+              <a:t>Fixed</a:t>
             </a:r>
           </a:p>
           <a:p>
             <a:pPr algn="ctr"/>
             <a:r>
               <a:rPr lang="en-US" altLang="zh-CN" sz="1701" b="1" dirty="0"/>
-              <a:t>Model</a:t>
+              <a:t> Object Detection Model</a:t>
             </a:r>
             <a:endParaRPr lang="en-US" sz="1701" b="1" dirty="0"/>
           </a:p>
@@ -3975,7 +3505,7 @@
         </p:nvSpPr>
         <p:spPr>
           <a:xfrm>
-            <a:off x="2658494" y="2758396"/>
+            <a:off x="2482649" y="885268"/>
             <a:ext cx="1318589" cy="324833"/>
           </a:xfrm>
           <a:prstGeom prst="rect">
@@ -3994,7 +3524,7 @@
               <a:t>(</a:t>
             </a:r>
             <a:r>
-              <a:rPr lang="en-US" altLang="zh-CN" sz="1511" i="1" dirty="0"/>
+              <a:rPr lang="en-US" altLang="zh-CN" sz="1511" dirty="0"/>
               <a:t>fixed</a:t>
             </a:r>
             <a:r>
@@ -4009,53 +3539,6 @@
           </a:p>
         </p:txBody>
       </p:sp>
-      <p:cxnSp>
-        <p:nvCxnSpPr>
-          <p:cNvPr id="42" name="Elbow Connector 14">
-            <a:extLst>
-              <a:ext uri="{FF2B5EF4-FFF2-40B4-BE49-F238E27FC236}">
-                <a16:creationId xmlns:a16="http://schemas.microsoft.com/office/drawing/2014/main" id="{CC40E6BE-5816-4F56-9AA3-7CA2EB7D1DCE}"/>
-              </a:ext>
-            </a:extLst>
-          </p:cNvPr>
-          <p:cNvCxnSpPr>
-            <a:cxnSpLocks/>
-          </p:cNvCxnSpPr>
-          <p:nvPr/>
-        </p:nvCxnSpPr>
-        <p:spPr>
-          <a:xfrm rot="5400000">
-            <a:off x="7867590" y="1524554"/>
-            <a:ext cx="1385672" cy="537"/>
-          </a:xfrm>
-          <a:prstGeom prst="bentConnector3">
-            <a:avLst>
-              <a:gd name="adj1" fmla="val 50000"/>
-            </a:avLst>
-          </a:prstGeom>
-          <a:ln w="38100">
-            <a:solidFill>
-              <a:schemeClr val="tx1"/>
-            </a:solidFill>
-            <a:headEnd type="none" w="lg" len="lg"/>
-            <a:tailEnd type="triangle" w="lg" len="lg"/>
-          </a:ln>
-        </p:spPr>
-        <p:style>
-          <a:lnRef idx="1">
-            <a:schemeClr val="accent1"/>
-          </a:lnRef>
-          <a:fillRef idx="0">
-            <a:schemeClr val="accent1"/>
-          </a:fillRef>
-          <a:effectRef idx="0">
-            <a:schemeClr val="accent1"/>
-          </a:effectRef>
-          <a:fontRef idx="minor">
-            <a:schemeClr val="tx1"/>
-          </a:fontRef>
-        </p:style>
-      </p:cxnSp>
       <p:sp>
         <p:nvSpPr>
           <p:cNvPr id="57" name="Right Arrow 17">
@@ -4070,7 +3553,7 @@
         </p:nvSpPr>
         <p:spPr>
           <a:xfrm>
-            <a:off x="9871087" y="2405538"/>
+            <a:off x="10022245" y="498003"/>
             <a:ext cx="466726" cy="298000"/>
           </a:xfrm>
           <a:prstGeom prst="rightArrow">
@@ -4114,7 +3597,7 @@
         </p:nvSpPr>
         <p:spPr>
           <a:xfrm>
-            <a:off x="10367505" y="2212226"/>
+            <a:off x="10545065" y="339098"/>
             <a:ext cx="1317512" cy="615810"/>
           </a:xfrm>
           <a:prstGeom prst="rect">
@@ -4166,6 +3649,50 @@
               <a:t>Results</a:t>
             </a:r>
             <a:endParaRPr lang="zh-CN" altLang="en-US" sz="1701" b="1" dirty="0"/>
+          </a:p>
+        </p:txBody>
+      </p:sp>
+      <p:sp>
+        <p:nvSpPr>
+          <p:cNvPr id="28" name="TextBox 25">
+            <a:extLst>
+              <a:ext uri="{FF2B5EF4-FFF2-40B4-BE49-F238E27FC236}">
+                <a16:creationId xmlns:a16="http://schemas.microsoft.com/office/drawing/2014/main" id="{42C7DAE8-A05A-461C-8C84-BC6E25D059DC}"/>
+              </a:ext>
+            </a:extLst>
+          </p:cNvPr>
+          <p:cNvSpPr txBox="1"/>
+          <p:nvPr/>
+        </p:nvSpPr>
+        <p:spPr>
+          <a:xfrm>
+            <a:off x="5103047" y="980139"/>
+            <a:ext cx="1221488" cy="324833"/>
+          </a:xfrm>
+          <a:prstGeom prst="rect">
+            <a:avLst/>
+          </a:prstGeom>
+          <a:noFill/>
+        </p:spPr>
+        <p:txBody>
+          <a:bodyPr wrap="none" rtlCol="0">
+            <a:spAutoFit/>
+          </a:bodyPr>
+          <a:lstStyle/>
+          <a:p>
+            <a:r>
+              <a:rPr lang="en-US" sz="1511" dirty="0"/>
+              <a:t>(</a:t>
+            </a:r>
+            <a:r>
+              <a:rPr lang="en-US" altLang="zh-CN" sz="1511" dirty="0"/>
+              <a:t>fixed </a:t>
+            </a:r>
+            <a:r>
+              <a:rPr lang="en-US" sz="1511" dirty="0"/>
+              <a:t>1024p)</a:t>
+            </a:r>
+            <a:endParaRPr lang="en-US" sz="1133" dirty="0"/>
           </a:p>
         </p:txBody>
       </p:sp>

--- a/paper/figures/static_framework.pptx
+++ b/paper/figures/static_framework.pptx
@@ -243,7 +243,7 @@
           <a:p>
             <a:fld id="{1E7E2308-2F23-48D2-A5F1-3B0F75651A25}" type="datetimeFigureOut">
               <a:rPr lang="zh-CN" altLang="en-US" smtClean="0"/>
-              <a:t>2020/12/12</a:t>
+              <a:t>2020/12/14</a:t>
             </a:fld>
             <a:endParaRPr lang="zh-CN" altLang="en-US"/>
           </a:p>
@@ -413,7 +413,7 @@
           <a:p>
             <a:fld id="{1E7E2308-2F23-48D2-A5F1-3B0F75651A25}" type="datetimeFigureOut">
               <a:rPr lang="zh-CN" altLang="en-US" smtClean="0"/>
-              <a:t>2020/12/12</a:t>
+              <a:t>2020/12/14</a:t>
             </a:fld>
             <a:endParaRPr lang="zh-CN" altLang="en-US"/>
           </a:p>
@@ -593,7 +593,7 @@
           <a:p>
             <a:fld id="{1E7E2308-2F23-48D2-A5F1-3B0F75651A25}" type="datetimeFigureOut">
               <a:rPr lang="zh-CN" altLang="en-US" smtClean="0"/>
-              <a:t>2020/12/12</a:t>
+              <a:t>2020/12/14</a:t>
             </a:fld>
             <a:endParaRPr lang="zh-CN" altLang="en-US"/>
           </a:p>
@@ -763,7 +763,7 @@
           <a:p>
             <a:fld id="{1E7E2308-2F23-48D2-A5F1-3B0F75651A25}" type="datetimeFigureOut">
               <a:rPr lang="zh-CN" altLang="en-US" smtClean="0"/>
-              <a:t>2020/12/12</a:t>
+              <a:t>2020/12/14</a:t>
             </a:fld>
             <a:endParaRPr lang="zh-CN" altLang="en-US"/>
           </a:p>
@@ -1009,7 +1009,7 @@
           <a:p>
             <a:fld id="{1E7E2308-2F23-48D2-A5F1-3B0F75651A25}" type="datetimeFigureOut">
               <a:rPr lang="zh-CN" altLang="en-US" smtClean="0"/>
-              <a:t>2020/12/12</a:t>
+              <a:t>2020/12/14</a:t>
             </a:fld>
             <a:endParaRPr lang="zh-CN" altLang="en-US"/>
           </a:p>
@@ -1241,7 +1241,7 @@
           <a:p>
             <a:fld id="{1E7E2308-2F23-48D2-A5F1-3B0F75651A25}" type="datetimeFigureOut">
               <a:rPr lang="zh-CN" altLang="en-US" smtClean="0"/>
-              <a:t>2020/12/12</a:t>
+              <a:t>2020/12/14</a:t>
             </a:fld>
             <a:endParaRPr lang="zh-CN" altLang="en-US"/>
           </a:p>
@@ -1608,7 +1608,7 @@
           <a:p>
             <a:fld id="{1E7E2308-2F23-48D2-A5F1-3B0F75651A25}" type="datetimeFigureOut">
               <a:rPr lang="zh-CN" altLang="en-US" smtClean="0"/>
-              <a:t>2020/12/12</a:t>
+              <a:t>2020/12/14</a:t>
             </a:fld>
             <a:endParaRPr lang="zh-CN" altLang="en-US"/>
           </a:p>
@@ -1726,7 +1726,7 @@
           <a:p>
             <a:fld id="{1E7E2308-2F23-48D2-A5F1-3B0F75651A25}" type="datetimeFigureOut">
               <a:rPr lang="zh-CN" altLang="en-US" smtClean="0"/>
-              <a:t>2020/12/12</a:t>
+              <a:t>2020/12/14</a:t>
             </a:fld>
             <a:endParaRPr lang="zh-CN" altLang="en-US"/>
           </a:p>
@@ -1821,7 +1821,7 @@
           <a:p>
             <a:fld id="{1E7E2308-2F23-48D2-A5F1-3B0F75651A25}" type="datetimeFigureOut">
               <a:rPr lang="zh-CN" altLang="en-US" smtClean="0"/>
-              <a:t>2020/12/12</a:t>
+              <a:t>2020/12/14</a:t>
             </a:fld>
             <a:endParaRPr lang="zh-CN" altLang="en-US"/>
           </a:p>
@@ -2098,7 +2098,7 @@
           <a:p>
             <a:fld id="{1E7E2308-2F23-48D2-A5F1-3B0F75651A25}" type="datetimeFigureOut">
               <a:rPr lang="zh-CN" altLang="en-US" smtClean="0"/>
-              <a:t>2020/12/12</a:t>
+              <a:t>2020/12/14</a:t>
             </a:fld>
             <a:endParaRPr lang="zh-CN" altLang="en-US"/>
           </a:p>
@@ -2355,7 +2355,7 @@
           <a:p>
             <a:fld id="{1E7E2308-2F23-48D2-A5F1-3B0F75651A25}" type="datetimeFigureOut">
               <a:rPr lang="zh-CN" altLang="en-US" smtClean="0"/>
-              <a:t>2020/12/12</a:t>
+              <a:t>2020/12/14</a:t>
             </a:fld>
             <a:endParaRPr lang="zh-CN" altLang="en-US"/>
           </a:p>
@@ -2568,7 +2568,7 @@
           <a:p>
             <a:fld id="{1E7E2308-2F23-48D2-A5F1-3B0F75651A25}" type="datetimeFigureOut">
               <a:rPr lang="zh-CN" altLang="en-US" smtClean="0"/>
-              <a:t>2020/12/12</a:t>
+              <a:t>2020/12/14</a:t>
             </a:fld>
             <a:endParaRPr lang="zh-CN" altLang="en-US"/>
           </a:p>
@@ -3055,7 +3055,7 @@
           </p:nvSpPr>
           <p:spPr>
             <a:xfrm>
-              <a:off x="5548134" y="1303398"/>
+              <a:off x="5571134" y="1278518"/>
               <a:ext cx="1070119" cy="380719"/>
             </a:xfrm>
             <a:prstGeom prst="rightArrow">
@@ -3217,7 +3217,7 @@
         </p:nvSpPr>
         <p:spPr>
           <a:xfrm>
-            <a:off x="270404" y="289105"/>
+            <a:off x="279659" y="289104"/>
             <a:ext cx="1224592" cy="790088"/>
           </a:xfrm>
           <a:prstGeom prst="rect">
@@ -3286,8 +3286,8 @@
         </p:nvSpPr>
         <p:spPr>
           <a:xfrm>
-            <a:off x="1571744" y="364329"/>
-            <a:ext cx="520703" cy="693097"/>
+            <a:off x="1581468" y="528970"/>
+            <a:ext cx="520703" cy="298800"/>
           </a:xfrm>
           <a:prstGeom prst="rightArrow">
             <a:avLst/>
@@ -3392,7 +3392,7 @@
         </p:nvSpPr>
         <p:spPr>
           <a:xfrm>
-            <a:off x="3970109" y="535149"/>
+            <a:off x="3994372" y="535149"/>
             <a:ext cx="962198" cy="298000"/>
           </a:xfrm>
           <a:prstGeom prst="rightArrow">
@@ -3553,7 +3553,7 @@
         </p:nvSpPr>
         <p:spPr>
           <a:xfrm>
-            <a:off x="10022245" y="498003"/>
+            <a:off x="10050293" y="535148"/>
             <a:ext cx="466726" cy="298000"/>
           </a:xfrm>
           <a:prstGeom prst="rightArrow">
@@ -3597,7 +3597,7 @@
         </p:nvSpPr>
         <p:spPr>
           <a:xfrm>
-            <a:off x="10545065" y="339098"/>
+            <a:off x="10554268" y="364328"/>
             <a:ext cx="1317512" cy="615810"/>
           </a:xfrm>
           <a:prstGeom prst="rect">
